--- a/Slides/BytesAndBites - Design Patterns - Behavioural.pptx
+++ b/Slides/BytesAndBites - Design Patterns - Behavioural.pptx
@@ -5,7 +5,7 @@
     <p:sldMasterId id="2147483677" r:id="rId1"/>
   </p:sldMasterIdLst>
   <p:notesMasterIdLst>
-    <p:notesMasterId r:id="rId10"/>
+    <p:notesMasterId r:id="rId19"/>
   </p:notesMasterIdLst>
   <p:sldIdLst>
     <p:sldId id="256" r:id="rId2"/>
@@ -16,6 +16,15 @@
     <p:sldId id="261" r:id="rId7"/>
     <p:sldId id="262" r:id="rId8"/>
     <p:sldId id="263" r:id="rId9"/>
+    <p:sldId id="264" r:id="rId10"/>
+    <p:sldId id="265" r:id="rId11"/>
+    <p:sldId id="266" r:id="rId12"/>
+    <p:sldId id="267" r:id="rId13"/>
+    <p:sldId id="268" r:id="rId14"/>
+    <p:sldId id="269" r:id="rId15"/>
+    <p:sldId id="270" r:id="rId16"/>
+    <p:sldId id="271" r:id="rId17"/>
+    <p:sldId id="272" r:id="rId18"/>
   </p:sldIdLst>
   <p:sldSz cx="12192000" cy="6858000"/>
   <p:notesSz cx="6858000" cy="9144000"/>
@@ -204,7 +213,7 @@
           <a:p>
             <a:fld id="{49C2400C-4A53-4D4E-AF1B-D228D4E23370}" type="datetimeFigureOut">
               <a:rPr lang="en-CA" smtClean="0"/>
-              <a:t>2025-03-04</a:t>
+              <a:t>2025-03-11</a:t>
             </a:fld>
             <a:endParaRPr lang="en-CA"/>
           </a:p>
@@ -2169,7 +2178,7 @@
           <a:p>
             <a:fld id="{09E53349-BCD0-4279-9212-6A0526462131}" type="datetimeFigureOut">
               <a:rPr lang="en-CA" smtClean="0"/>
-              <a:t>2025-03-04</a:t>
+              <a:t>2025-03-11</a:t>
             </a:fld>
             <a:endParaRPr lang="en-CA"/>
           </a:p>
@@ -3628,7 +3637,7 @@
           <a:p>
             <a:fld id="{09E53349-BCD0-4279-9212-6A0526462131}" type="datetimeFigureOut">
               <a:rPr lang="en-CA" smtClean="0"/>
-              <a:t>2025-03-04</a:t>
+              <a:t>2025-03-11</a:t>
             </a:fld>
             <a:endParaRPr lang="en-CA"/>
           </a:p>
@@ -5081,7 +5090,7 @@
           <a:p>
             <a:fld id="{09E53349-BCD0-4279-9212-6A0526462131}" type="datetimeFigureOut">
               <a:rPr lang="en-CA" smtClean="0"/>
-              <a:t>2025-03-04</a:t>
+              <a:t>2025-03-11</a:t>
             </a:fld>
             <a:endParaRPr lang="en-CA"/>
           </a:p>
@@ -6536,7 +6545,7 @@
           <a:p>
             <a:fld id="{09E53349-BCD0-4279-9212-6A0526462131}" type="datetimeFigureOut">
               <a:rPr lang="en-CA" smtClean="0"/>
-              <a:t>2025-03-04</a:t>
+              <a:t>2025-03-11</a:t>
             </a:fld>
             <a:endParaRPr lang="en-CA"/>
           </a:p>
@@ -8044,7 +8053,7 @@
           <a:p>
             <a:fld id="{09E53349-BCD0-4279-9212-6A0526462131}" type="datetimeFigureOut">
               <a:rPr lang="en-CA" smtClean="0"/>
-              <a:t>2025-03-04</a:t>
+              <a:t>2025-03-11</a:t>
             </a:fld>
             <a:endParaRPr lang="en-CA"/>
           </a:p>
@@ -9565,7 +9574,7 @@
           <a:p>
             <a:fld id="{09E53349-BCD0-4279-9212-6A0526462131}" type="datetimeFigureOut">
               <a:rPr lang="en-CA" smtClean="0"/>
-              <a:t>2025-03-04</a:t>
+              <a:t>2025-03-11</a:t>
             </a:fld>
             <a:endParaRPr lang="en-CA"/>
           </a:p>
@@ -11230,7 +11239,7 @@
           <a:p>
             <a:fld id="{09E53349-BCD0-4279-9212-6A0526462131}" type="datetimeFigureOut">
               <a:rPr lang="en-CA" smtClean="0"/>
-              <a:t>2025-03-04</a:t>
+              <a:t>2025-03-11</a:t>
             </a:fld>
             <a:endParaRPr lang="en-CA"/>
           </a:p>
@@ -12628,7 +12637,7 @@
           <a:p>
             <a:fld id="{09E53349-BCD0-4279-9212-6A0526462131}" type="datetimeFigureOut">
               <a:rPr lang="en-CA" smtClean="0"/>
-              <a:t>2025-03-04</a:t>
+              <a:t>2025-03-11</a:t>
             </a:fld>
             <a:endParaRPr lang="en-CA"/>
           </a:p>
@@ -12728,7 +12737,7 @@
           <a:p>
             <a:fld id="{09E53349-BCD0-4279-9212-6A0526462131}" type="datetimeFigureOut">
               <a:rPr lang="en-CA" smtClean="0"/>
-              <a:t>2025-03-04</a:t>
+              <a:t>2025-03-11</a:t>
             </a:fld>
             <a:endParaRPr lang="en-CA"/>
           </a:p>
@@ -14254,7 +14263,7 @@
           <a:p>
             <a:fld id="{09E53349-BCD0-4279-9212-6A0526462131}" type="datetimeFigureOut">
               <a:rPr lang="en-CA" smtClean="0"/>
-              <a:t>2025-03-04</a:t>
+              <a:t>2025-03-11</a:t>
             </a:fld>
             <a:endParaRPr lang="en-CA"/>
           </a:p>
@@ -15790,7 +15799,7 @@
           <a:p>
             <a:fld id="{09E53349-BCD0-4279-9212-6A0526462131}" type="datetimeFigureOut">
               <a:rPr lang="en-CA" smtClean="0"/>
-              <a:t>2025-03-04</a:t>
+              <a:t>2025-03-11</a:t>
             </a:fld>
             <a:endParaRPr lang="en-CA"/>
           </a:p>
@@ -16013,7 +16022,7 @@
           <a:p>
             <a:fld id="{09E53349-BCD0-4279-9212-6A0526462131}" type="datetimeFigureOut">
               <a:rPr lang="en-CA" smtClean="0"/>
-              <a:t>2025-03-04</a:t>
+              <a:t>2025-03-11</a:t>
             </a:fld>
             <a:endParaRPr lang="en-CA"/>
           </a:p>
@@ -16515,7 +16524,7 @@
           <a:p>
             <a:r>
               <a:rPr lang="en-CA" dirty="0"/>
-              <a:t>Structural Design Patterns</a:t>
+              <a:t>Behavioural Design Patterns</a:t>
             </a:r>
           </a:p>
         </p:txBody>
@@ -16524,6 +16533,1781 @@
     <p:extLst>
       <p:ext uri="{BB962C8B-B14F-4D97-AF65-F5344CB8AC3E}">
         <p14:creationId xmlns:p14="http://schemas.microsoft.com/office/powerpoint/2010/main" val="3334866573"/>
+      </p:ext>
+    </p:extLst>
+  </p:cSld>
+  <p:clrMapOvr>
+    <a:masterClrMapping/>
+  </p:clrMapOvr>
+</p:sld>
+</file>
+
+<file path=ppt/slides/slide10.xml><?xml version="1.0" encoding="utf-8"?>
+<p:sld xmlns:a="http://schemas.openxmlformats.org/drawingml/2006/main" xmlns:r="http://schemas.openxmlformats.org/officeDocument/2006/relationships" xmlns:p="http://schemas.openxmlformats.org/presentationml/2006/main">
+  <p:cSld>
+    <p:spTree>
+      <p:nvGrpSpPr>
+        <p:cNvPr id="1" name=""/>
+        <p:cNvGrpSpPr/>
+        <p:nvPr/>
+      </p:nvGrpSpPr>
+      <p:grpSpPr>
+        <a:xfrm>
+          <a:off x="0" y="0"/>
+          <a:ext cx="0" cy="0"/>
+          <a:chOff x="0" y="0"/>
+          <a:chExt cx="0" cy="0"/>
+        </a:xfrm>
+      </p:grpSpPr>
+      <p:pic>
+        <p:nvPicPr>
+          <p:cNvPr id="1026" name="Picture 2" descr="Reverting operations in the editor">
+            <a:extLst>
+              <a:ext uri="{FF2B5EF4-FFF2-40B4-BE49-F238E27FC236}">
+                <a16:creationId xmlns:a16="http://schemas.microsoft.com/office/drawing/2014/main" id="{8C9FA23B-2098-016B-EFB2-8A1809CE8CDD}"/>
+              </a:ext>
+            </a:extLst>
+          </p:cNvPr>
+          <p:cNvPicPr>
+            <a:picLocks noChangeAspect="1" noChangeArrowheads="1"/>
+          </p:cNvPicPr>
+          <p:nvPr/>
+        </p:nvPicPr>
+        <p:blipFill>
+          <a:blip r:embed="rId2">
+            <a:extLst>
+              <a:ext uri="{28A0092B-C50C-407E-A947-70E740481C1C}">
+                <a14:useLocalDpi xmlns:a14="http://schemas.microsoft.com/office/drawing/2010/main" val="0"/>
+              </a:ext>
+            </a:extLst>
+          </a:blip>
+          <a:srcRect/>
+          <a:stretch>
+            <a:fillRect/>
+          </a:stretch>
+        </p:blipFill>
+        <p:spPr bwMode="auto">
+          <a:xfrm>
+            <a:off x="3619881" y="1209294"/>
+            <a:ext cx="4476750" cy="1714500"/>
+          </a:xfrm>
+          <a:prstGeom prst="rect">
+            <a:avLst/>
+          </a:prstGeom>
+          <a:noFill/>
+          <a:extLst>
+            <a:ext uri="{909E8E84-426E-40DD-AFC4-6F175D3DCCD1}">
+              <a14:hiddenFill xmlns:a14="http://schemas.microsoft.com/office/drawing/2010/main">
+                <a:solidFill>
+                  <a:srgbClr val="FFFFFF"/>
+                </a:solidFill>
+              </a14:hiddenFill>
+            </a:ext>
+          </a:extLst>
+        </p:spPr>
+      </p:pic>
+      <p:sp>
+        <p:nvSpPr>
+          <p:cNvPr id="5" name="TextBox 4">
+            <a:extLst>
+              <a:ext uri="{FF2B5EF4-FFF2-40B4-BE49-F238E27FC236}">
+                <a16:creationId xmlns:a16="http://schemas.microsoft.com/office/drawing/2014/main" id="{15CC1661-7D07-7F2E-21CD-7867276B22CE}"/>
+              </a:ext>
+            </a:extLst>
+          </p:cNvPr>
+          <p:cNvSpPr txBox="1"/>
+          <p:nvPr/>
+        </p:nvSpPr>
+        <p:spPr>
+          <a:xfrm>
+            <a:off x="4075938" y="753594"/>
+            <a:ext cx="3564636" cy="369332"/>
+          </a:xfrm>
+          <a:prstGeom prst="rect">
+            <a:avLst/>
+          </a:prstGeom>
+          <a:noFill/>
+        </p:spPr>
+        <p:txBody>
+          <a:bodyPr wrap="square" rtlCol="0">
+            <a:spAutoFit/>
+          </a:bodyPr>
+          <a:lstStyle/>
+          <a:p>
+            <a:r>
+              <a:rPr lang="en-CA" dirty="0"/>
+              <a:t>The basic idea for a text editor</a:t>
+            </a:r>
+          </a:p>
+        </p:txBody>
+      </p:sp>
+      <p:sp>
+        <p:nvSpPr>
+          <p:cNvPr id="6" name="TextBox 5">
+            <a:extLst>
+              <a:ext uri="{FF2B5EF4-FFF2-40B4-BE49-F238E27FC236}">
+                <a16:creationId xmlns:a16="http://schemas.microsoft.com/office/drawing/2014/main" id="{0CB9D273-7914-B319-8DF6-AEC16E1AEFDB}"/>
+              </a:ext>
+            </a:extLst>
+          </p:cNvPr>
+          <p:cNvSpPr txBox="1"/>
+          <p:nvPr/>
+        </p:nvSpPr>
+        <p:spPr>
+          <a:xfrm>
+            <a:off x="1302258" y="3429000"/>
+            <a:ext cx="7293102" cy="369332"/>
+          </a:xfrm>
+          <a:prstGeom prst="rect">
+            <a:avLst/>
+          </a:prstGeom>
+          <a:noFill/>
+        </p:spPr>
+        <p:txBody>
+          <a:bodyPr wrap="square" rtlCol="0">
+            <a:spAutoFit/>
+          </a:bodyPr>
+          <a:lstStyle/>
+          <a:p>
+            <a:r>
+              <a:rPr lang="en-CA" dirty="0"/>
+              <a:t>The Problem: How would you create these snapshots?</a:t>
+            </a:r>
+          </a:p>
+        </p:txBody>
+      </p:sp>
+    </p:spTree>
+    <p:extLst>
+      <p:ext uri="{BB962C8B-B14F-4D97-AF65-F5344CB8AC3E}">
+        <p14:creationId xmlns:p14="http://schemas.microsoft.com/office/powerpoint/2010/main" val="4055602435"/>
+      </p:ext>
+    </p:extLst>
+  </p:cSld>
+  <p:clrMapOvr>
+    <a:masterClrMapping/>
+  </p:clrMapOvr>
+</p:sld>
+</file>
+
+<file path=ppt/slides/slide11.xml><?xml version="1.0" encoding="utf-8"?>
+<p:sld xmlns:a="http://schemas.openxmlformats.org/drawingml/2006/main" xmlns:r="http://schemas.openxmlformats.org/officeDocument/2006/relationships" xmlns:p="http://schemas.openxmlformats.org/presentationml/2006/main">
+  <p:cSld>
+    <p:spTree>
+      <p:nvGrpSpPr>
+        <p:cNvPr id="1" name="">
+          <a:extLst>
+            <a:ext uri="{FF2B5EF4-FFF2-40B4-BE49-F238E27FC236}">
+              <a16:creationId xmlns:a16="http://schemas.microsoft.com/office/drawing/2014/main" id="{A1F492E4-6F55-2DEE-FF61-BE74EFFF340D}"/>
+            </a:ext>
+          </a:extLst>
+        </p:cNvPr>
+        <p:cNvGrpSpPr/>
+        <p:nvPr/>
+      </p:nvGrpSpPr>
+      <p:grpSpPr>
+        <a:xfrm>
+          <a:off x="0" y="0"/>
+          <a:ext cx="0" cy="0"/>
+          <a:chOff x="0" y="0"/>
+          <a:chExt cx="0" cy="0"/>
+        </a:xfrm>
+      </p:grpSpPr>
+      <p:sp>
+        <p:nvSpPr>
+          <p:cNvPr id="6" name="TextBox 5">
+            <a:extLst>
+              <a:ext uri="{FF2B5EF4-FFF2-40B4-BE49-F238E27FC236}">
+                <a16:creationId xmlns:a16="http://schemas.microsoft.com/office/drawing/2014/main" id="{30743DAA-8789-A36C-8393-B714CFE8355A}"/>
+              </a:ext>
+            </a:extLst>
+          </p:cNvPr>
+          <p:cNvSpPr txBox="1"/>
+          <p:nvPr/>
+        </p:nvSpPr>
+        <p:spPr>
+          <a:xfrm>
+            <a:off x="890778" y="941832"/>
+            <a:ext cx="7293102" cy="646331"/>
+          </a:xfrm>
+          <a:prstGeom prst="rect">
+            <a:avLst/>
+          </a:prstGeom>
+          <a:noFill/>
+        </p:spPr>
+        <p:txBody>
+          <a:bodyPr wrap="square" rtlCol="0">
+            <a:spAutoFit/>
+          </a:bodyPr>
+          <a:lstStyle/>
+          <a:p>
+            <a:r>
+              <a:rPr lang="en-CA" dirty="0"/>
+              <a:t>The Problem: How would you create these snapshots?</a:t>
+            </a:r>
+          </a:p>
+          <a:p>
+            <a:r>
+              <a:rPr lang="en-CA" dirty="0"/>
+              <a:t>From the outside you run into these problems:</a:t>
+            </a:r>
+          </a:p>
+        </p:txBody>
+      </p:sp>
+      <p:pic>
+        <p:nvPicPr>
+          <p:cNvPr id="1028" name="Picture 4" descr="How to make a copy of the object's private state?">
+            <a:extLst>
+              <a:ext uri="{FF2B5EF4-FFF2-40B4-BE49-F238E27FC236}">
+                <a16:creationId xmlns:a16="http://schemas.microsoft.com/office/drawing/2014/main" id="{E2A85028-5C0C-DDD6-D5CB-89FC76862859}"/>
+              </a:ext>
+            </a:extLst>
+          </p:cNvPr>
+          <p:cNvPicPr>
+            <a:picLocks noChangeAspect="1" noChangeArrowheads="1"/>
+          </p:cNvPicPr>
+          <p:nvPr/>
+        </p:nvPicPr>
+        <p:blipFill>
+          <a:blip r:embed="rId2">
+            <a:extLst>
+              <a:ext uri="{28A0092B-C50C-407E-A947-70E740481C1C}">
+                <a14:useLocalDpi xmlns:a14="http://schemas.microsoft.com/office/drawing/2010/main" val="0"/>
+              </a:ext>
+            </a:extLst>
+          </a:blip>
+          <a:srcRect/>
+          <a:stretch>
+            <a:fillRect/>
+          </a:stretch>
+        </p:blipFill>
+        <p:spPr bwMode="auto">
+          <a:xfrm>
+            <a:off x="1018794" y="1667780"/>
+            <a:ext cx="2857500" cy="2000250"/>
+          </a:xfrm>
+          <a:prstGeom prst="rect">
+            <a:avLst/>
+          </a:prstGeom>
+          <a:noFill/>
+          <a:extLst>
+            <a:ext uri="{909E8E84-426E-40DD-AFC4-6F175D3DCCD1}">
+              <a14:hiddenFill xmlns:a14="http://schemas.microsoft.com/office/drawing/2010/main">
+                <a:solidFill>
+                  <a:srgbClr val="FFFFFF"/>
+                </a:solidFill>
+              </a14:hiddenFill>
+            </a:ext>
+          </a:extLst>
+        </p:spPr>
+      </p:pic>
+    </p:spTree>
+    <p:extLst>
+      <p:ext uri="{BB962C8B-B14F-4D97-AF65-F5344CB8AC3E}">
+        <p14:creationId xmlns:p14="http://schemas.microsoft.com/office/powerpoint/2010/main" val="3020893325"/>
+      </p:ext>
+    </p:extLst>
+  </p:cSld>
+  <p:clrMapOvr>
+    <a:masterClrMapping/>
+  </p:clrMapOvr>
+</p:sld>
+</file>
+
+<file path=ppt/slides/slide12.xml><?xml version="1.0" encoding="utf-8"?>
+<p:sld xmlns:a="http://schemas.openxmlformats.org/drawingml/2006/main" xmlns:r="http://schemas.openxmlformats.org/officeDocument/2006/relationships" xmlns:p="http://schemas.openxmlformats.org/presentationml/2006/main">
+  <p:cSld>
+    <p:spTree>
+      <p:nvGrpSpPr>
+        <p:cNvPr id="1" name="">
+          <a:extLst>
+            <a:ext uri="{FF2B5EF4-FFF2-40B4-BE49-F238E27FC236}">
+              <a16:creationId xmlns:a16="http://schemas.microsoft.com/office/drawing/2014/main" id="{263A1BDA-1A52-F528-D95A-ADE00C4B491F}"/>
+            </a:ext>
+          </a:extLst>
+        </p:cNvPr>
+        <p:cNvGrpSpPr/>
+        <p:nvPr/>
+      </p:nvGrpSpPr>
+      <p:grpSpPr>
+        <a:xfrm>
+          <a:off x="0" y="0"/>
+          <a:ext cx="0" cy="0"/>
+          <a:chOff x="0" y="0"/>
+          <a:chExt cx="0" cy="0"/>
+        </a:xfrm>
+      </p:grpSpPr>
+      <p:sp>
+        <p:nvSpPr>
+          <p:cNvPr id="6" name="TextBox 5">
+            <a:extLst>
+              <a:ext uri="{FF2B5EF4-FFF2-40B4-BE49-F238E27FC236}">
+                <a16:creationId xmlns:a16="http://schemas.microsoft.com/office/drawing/2014/main" id="{6EAD07B5-E33C-D357-D81A-D39B13721594}"/>
+              </a:ext>
+            </a:extLst>
+          </p:cNvPr>
+          <p:cNvSpPr txBox="1"/>
+          <p:nvPr/>
+        </p:nvSpPr>
+        <p:spPr>
+          <a:xfrm>
+            <a:off x="890778" y="941832"/>
+            <a:ext cx="7293102" cy="646331"/>
+          </a:xfrm>
+          <a:prstGeom prst="rect">
+            <a:avLst/>
+          </a:prstGeom>
+          <a:noFill/>
+        </p:spPr>
+        <p:txBody>
+          <a:bodyPr wrap="square" rtlCol="0">
+            <a:spAutoFit/>
+          </a:bodyPr>
+          <a:lstStyle/>
+          <a:p>
+            <a:r>
+              <a:rPr lang="en-CA" dirty="0"/>
+              <a:t>The Solution: </a:t>
+            </a:r>
+          </a:p>
+          <a:p>
+            <a:r>
+              <a:rPr lang="en-CA" dirty="0"/>
+              <a:t>Have the originator create the snapshot - Caretakers</a:t>
+            </a:r>
+          </a:p>
+        </p:txBody>
+      </p:sp>
+      <p:pic>
+        <p:nvPicPr>
+          <p:cNvPr id="2050" name="Picture 2" descr="The originator has full access to the memento, whereas the caretaker can only access the metadata">
+            <a:extLst>
+              <a:ext uri="{FF2B5EF4-FFF2-40B4-BE49-F238E27FC236}">
+                <a16:creationId xmlns:a16="http://schemas.microsoft.com/office/drawing/2014/main" id="{026F26F1-D74C-C71A-F1A3-0AC0B6ABAC3D}"/>
+              </a:ext>
+            </a:extLst>
+          </p:cNvPr>
+          <p:cNvPicPr>
+            <a:picLocks noChangeAspect="1" noChangeArrowheads="1"/>
+          </p:cNvPicPr>
+          <p:nvPr/>
+        </p:nvPicPr>
+        <p:blipFill>
+          <a:blip r:embed="rId2">
+            <a:extLst>
+              <a:ext uri="{28A0092B-C50C-407E-A947-70E740481C1C}">
+                <a14:useLocalDpi xmlns:a14="http://schemas.microsoft.com/office/drawing/2010/main" val="0"/>
+              </a:ext>
+            </a:extLst>
+          </a:blip>
+          <a:srcRect/>
+          <a:stretch>
+            <a:fillRect/>
+          </a:stretch>
+        </p:blipFill>
+        <p:spPr bwMode="auto">
+          <a:xfrm>
+            <a:off x="813435" y="1779651"/>
+            <a:ext cx="5810250" cy="4286250"/>
+          </a:xfrm>
+          <a:prstGeom prst="rect">
+            <a:avLst/>
+          </a:prstGeom>
+          <a:noFill/>
+          <a:extLst>
+            <a:ext uri="{909E8E84-426E-40DD-AFC4-6F175D3DCCD1}">
+              <a14:hiddenFill xmlns:a14="http://schemas.microsoft.com/office/drawing/2010/main">
+                <a:solidFill>
+                  <a:srgbClr val="FFFFFF"/>
+                </a:solidFill>
+              </a14:hiddenFill>
+            </a:ext>
+          </a:extLst>
+        </p:spPr>
+      </p:pic>
+      <p:sp>
+        <p:nvSpPr>
+          <p:cNvPr id="3" name="TextBox 2">
+            <a:extLst>
+              <a:ext uri="{FF2B5EF4-FFF2-40B4-BE49-F238E27FC236}">
+                <a16:creationId xmlns:a16="http://schemas.microsoft.com/office/drawing/2014/main" id="{0FE3675B-519B-F860-B0EB-63686BB16316}"/>
+              </a:ext>
+            </a:extLst>
+          </p:cNvPr>
+          <p:cNvSpPr txBox="1"/>
+          <p:nvPr/>
+        </p:nvSpPr>
+        <p:spPr>
+          <a:xfrm>
+            <a:off x="1136142" y="6065901"/>
+            <a:ext cx="6094476" cy="369332"/>
+          </a:xfrm>
+          <a:prstGeom prst="rect">
+            <a:avLst/>
+          </a:prstGeom>
+          <a:noFill/>
+        </p:spPr>
+        <p:txBody>
+          <a:bodyPr wrap="square">
+            <a:spAutoFit/>
+          </a:bodyPr>
+          <a:lstStyle/>
+          <a:p>
+            <a:r>
+              <a:rPr lang="en-CA" dirty="0"/>
+              <a:t>https://www.youtube.com/watch?v=29VQcHxWu7g</a:t>
+            </a:r>
+          </a:p>
+        </p:txBody>
+      </p:sp>
+    </p:spTree>
+    <p:extLst>
+      <p:ext uri="{BB962C8B-B14F-4D97-AF65-F5344CB8AC3E}">
+        <p14:creationId xmlns:p14="http://schemas.microsoft.com/office/powerpoint/2010/main" val="1453054825"/>
+      </p:ext>
+    </p:extLst>
+  </p:cSld>
+  <p:clrMapOvr>
+    <a:masterClrMapping/>
+  </p:clrMapOvr>
+</p:sld>
+</file>
+
+<file path=ppt/slides/slide13.xml><?xml version="1.0" encoding="utf-8"?>
+<p:sld xmlns:a="http://schemas.openxmlformats.org/drawingml/2006/main" xmlns:r="http://schemas.openxmlformats.org/officeDocument/2006/relationships" xmlns:p="http://schemas.openxmlformats.org/presentationml/2006/main">
+  <p:cSld>
+    <p:spTree>
+      <p:nvGrpSpPr>
+        <p:cNvPr id="1" name=""/>
+        <p:cNvGrpSpPr/>
+        <p:nvPr/>
+      </p:nvGrpSpPr>
+      <p:grpSpPr>
+        <a:xfrm>
+          <a:off x="0" y="0"/>
+          <a:ext cx="0" cy="0"/>
+          <a:chOff x="0" y="0"/>
+          <a:chExt cx="0" cy="0"/>
+        </a:xfrm>
+      </p:grpSpPr>
+      <p:sp>
+        <p:nvSpPr>
+          <p:cNvPr id="2" name="Title 1">
+            <a:extLst>
+              <a:ext uri="{FF2B5EF4-FFF2-40B4-BE49-F238E27FC236}">
+                <a16:creationId xmlns:a16="http://schemas.microsoft.com/office/drawing/2014/main" id="{CD4DC3F9-74E0-A3E1-2C2F-118F1ED58604}"/>
+              </a:ext>
+            </a:extLst>
+          </p:cNvPr>
+          <p:cNvSpPr>
+            <a:spLocks noGrp="1"/>
+          </p:cNvSpPr>
+          <p:nvPr>
+            <p:ph type="title"/>
+          </p:nvPr>
+        </p:nvSpPr>
+        <p:spPr/>
+        <p:txBody>
+          <a:bodyPr/>
+          <a:lstStyle/>
+          <a:p>
+            <a:r>
+              <a:rPr lang="en-CA" dirty="0"/>
+              <a:t>Observer</a:t>
+            </a:r>
+          </a:p>
+        </p:txBody>
+      </p:sp>
+      <p:pic>
+        <p:nvPicPr>
+          <p:cNvPr id="4098" name="Picture 2" descr="Visiting store vs. sending spam">
+            <a:extLst>
+              <a:ext uri="{FF2B5EF4-FFF2-40B4-BE49-F238E27FC236}">
+                <a16:creationId xmlns:a16="http://schemas.microsoft.com/office/drawing/2014/main" id="{EA9DE396-0FF5-B486-2173-6D85B05F6E3E}"/>
+              </a:ext>
+            </a:extLst>
+          </p:cNvPr>
+          <p:cNvPicPr>
+            <a:picLocks noChangeAspect="1" noChangeArrowheads="1"/>
+          </p:cNvPicPr>
+          <p:nvPr/>
+        </p:nvPicPr>
+        <p:blipFill>
+          <a:blip r:embed="rId2">
+            <a:extLst>
+              <a:ext uri="{28A0092B-C50C-407E-A947-70E740481C1C}">
+                <a14:useLocalDpi xmlns:a14="http://schemas.microsoft.com/office/drawing/2010/main" val="0"/>
+              </a:ext>
+            </a:extLst>
+          </a:blip>
+          <a:srcRect/>
+          <a:stretch>
+            <a:fillRect/>
+          </a:stretch>
+        </p:blipFill>
+        <p:spPr bwMode="auto">
+          <a:xfrm>
+            <a:off x="5369052" y="1948867"/>
+            <a:ext cx="5715000" cy="2857500"/>
+          </a:xfrm>
+          <a:prstGeom prst="rect">
+            <a:avLst/>
+          </a:prstGeom>
+          <a:noFill/>
+          <a:extLst>
+            <a:ext uri="{909E8E84-426E-40DD-AFC4-6F175D3DCCD1}">
+              <a14:hiddenFill xmlns:a14="http://schemas.microsoft.com/office/drawing/2010/main">
+                <a:solidFill>
+                  <a:srgbClr val="FFFFFF"/>
+                </a:solidFill>
+              </a14:hiddenFill>
+            </a:ext>
+          </a:extLst>
+        </p:spPr>
+      </p:pic>
+      <p:sp>
+        <p:nvSpPr>
+          <p:cNvPr id="4" name="TextBox 3">
+            <a:extLst>
+              <a:ext uri="{FF2B5EF4-FFF2-40B4-BE49-F238E27FC236}">
+                <a16:creationId xmlns:a16="http://schemas.microsoft.com/office/drawing/2014/main" id="{C19D3AFC-9DE8-7143-2592-D19D15E902D1}"/>
+              </a:ext>
+            </a:extLst>
+          </p:cNvPr>
+          <p:cNvSpPr txBox="1"/>
+          <p:nvPr/>
+        </p:nvSpPr>
+        <p:spPr>
+          <a:xfrm>
+            <a:off x="5369052" y="1579535"/>
+            <a:ext cx="1258062" cy="369332"/>
+          </a:xfrm>
+          <a:prstGeom prst="rect">
+            <a:avLst/>
+          </a:prstGeom>
+          <a:noFill/>
+        </p:spPr>
+        <p:txBody>
+          <a:bodyPr wrap="square" rtlCol="0">
+            <a:spAutoFit/>
+          </a:bodyPr>
+          <a:lstStyle/>
+          <a:p>
+            <a:r>
+              <a:rPr lang="en-CA" dirty="0"/>
+              <a:t>Problem:</a:t>
+            </a:r>
+          </a:p>
+        </p:txBody>
+      </p:sp>
+      <p:sp>
+        <p:nvSpPr>
+          <p:cNvPr id="5" name="TextBox 4">
+            <a:extLst>
+              <a:ext uri="{FF2B5EF4-FFF2-40B4-BE49-F238E27FC236}">
+                <a16:creationId xmlns:a16="http://schemas.microsoft.com/office/drawing/2014/main" id="{D5D8C7AF-7180-FB48-1830-B417B3CA8DDC}"/>
+              </a:ext>
+            </a:extLst>
+          </p:cNvPr>
+          <p:cNvSpPr txBox="1"/>
+          <p:nvPr/>
+        </p:nvSpPr>
+        <p:spPr>
+          <a:xfrm>
+            <a:off x="5369052" y="4724468"/>
+            <a:ext cx="5585460" cy="646331"/>
+          </a:xfrm>
+          <a:prstGeom prst="rect">
+            <a:avLst/>
+          </a:prstGeom>
+          <a:noFill/>
+        </p:spPr>
+        <p:txBody>
+          <a:bodyPr wrap="square" rtlCol="0">
+            <a:spAutoFit/>
+          </a:bodyPr>
+          <a:lstStyle/>
+          <a:p>
+            <a:r>
+              <a:rPr lang="en-CA" dirty="0"/>
+              <a:t>Checking Store 			  Spamming</a:t>
+            </a:r>
+          </a:p>
+          <a:p>
+            <a:r>
+              <a:rPr lang="en-CA" dirty="0"/>
+              <a:t>Every Day				  Emails</a:t>
+            </a:r>
+          </a:p>
+        </p:txBody>
+      </p:sp>
+    </p:spTree>
+    <p:extLst>
+      <p:ext uri="{BB962C8B-B14F-4D97-AF65-F5344CB8AC3E}">
+        <p14:creationId xmlns:p14="http://schemas.microsoft.com/office/powerpoint/2010/main" val="26721269"/>
+      </p:ext>
+    </p:extLst>
+  </p:cSld>
+  <p:clrMapOvr>
+    <a:masterClrMapping/>
+  </p:clrMapOvr>
+</p:sld>
+</file>
+
+<file path=ppt/slides/slide14.xml><?xml version="1.0" encoding="utf-8"?>
+<p:sld xmlns:a="http://schemas.openxmlformats.org/drawingml/2006/main" xmlns:r="http://schemas.openxmlformats.org/officeDocument/2006/relationships" xmlns:p="http://schemas.openxmlformats.org/presentationml/2006/main">
+  <p:cSld>
+    <p:spTree>
+      <p:nvGrpSpPr>
+        <p:cNvPr id="1" name=""/>
+        <p:cNvGrpSpPr/>
+        <p:nvPr/>
+      </p:nvGrpSpPr>
+      <p:grpSpPr>
+        <a:xfrm>
+          <a:off x="0" y="0"/>
+          <a:ext cx="0" cy="0"/>
+          <a:chOff x="0" y="0"/>
+          <a:chExt cx="0" cy="0"/>
+        </a:xfrm>
+      </p:grpSpPr>
+      <p:sp>
+        <p:nvSpPr>
+          <p:cNvPr id="7" name="TextBox 6">
+            <a:extLst>
+              <a:ext uri="{FF2B5EF4-FFF2-40B4-BE49-F238E27FC236}">
+                <a16:creationId xmlns:a16="http://schemas.microsoft.com/office/drawing/2014/main" id="{8ED012B3-A7DC-D814-2916-6C020F6624EC}"/>
+              </a:ext>
+            </a:extLst>
+          </p:cNvPr>
+          <p:cNvSpPr txBox="1"/>
+          <p:nvPr/>
+        </p:nvSpPr>
+        <p:spPr>
+          <a:xfrm>
+            <a:off x="3166110" y="6024110"/>
+            <a:ext cx="6094476" cy="369332"/>
+          </a:xfrm>
+          <a:prstGeom prst="rect">
+            <a:avLst/>
+          </a:prstGeom>
+          <a:noFill/>
+        </p:spPr>
+        <p:txBody>
+          <a:bodyPr wrap="square">
+            <a:spAutoFit/>
+          </a:bodyPr>
+          <a:lstStyle/>
+          <a:p>
+            <a:r>
+              <a:rPr lang="en-CA" dirty="0"/>
+              <a:t>https://www.youtube.com/watch?v=8nICu7ZSPtE</a:t>
+            </a:r>
+          </a:p>
+        </p:txBody>
+      </p:sp>
+      <p:pic>
+        <p:nvPicPr>
+          <p:cNvPr id="5122" name="Picture 2" descr="Subscription mechanism">
+            <a:extLst>
+              <a:ext uri="{FF2B5EF4-FFF2-40B4-BE49-F238E27FC236}">
+                <a16:creationId xmlns:a16="http://schemas.microsoft.com/office/drawing/2014/main" id="{0E675511-FE01-37E2-FED5-5C8D8D11812B}"/>
+              </a:ext>
+            </a:extLst>
+          </p:cNvPr>
+          <p:cNvPicPr>
+            <a:picLocks noChangeAspect="1" noChangeArrowheads="1"/>
+          </p:cNvPicPr>
+          <p:nvPr/>
+        </p:nvPicPr>
+        <p:blipFill>
+          <a:blip r:embed="rId2">
+            <a:extLst>
+              <a:ext uri="{28A0092B-C50C-407E-A947-70E740481C1C}">
+                <a14:useLocalDpi xmlns:a14="http://schemas.microsoft.com/office/drawing/2010/main" val="0"/>
+              </a:ext>
+            </a:extLst>
+          </a:blip>
+          <a:srcRect/>
+          <a:stretch>
+            <a:fillRect/>
+          </a:stretch>
+        </p:blipFill>
+        <p:spPr bwMode="auto">
+          <a:xfrm>
+            <a:off x="812673" y="1465326"/>
+            <a:ext cx="4476750" cy="1714500"/>
+          </a:xfrm>
+          <a:prstGeom prst="rect">
+            <a:avLst/>
+          </a:prstGeom>
+          <a:noFill/>
+          <a:extLst>
+            <a:ext uri="{909E8E84-426E-40DD-AFC4-6F175D3DCCD1}">
+              <a14:hiddenFill xmlns:a14="http://schemas.microsoft.com/office/drawing/2010/main">
+                <a:solidFill>
+                  <a:srgbClr val="FFFFFF"/>
+                </a:solidFill>
+              </a14:hiddenFill>
+            </a:ext>
+          </a:extLst>
+        </p:spPr>
+      </p:pic>
+      <p:sp>
+        <p:nvSpPr>
+          <p:cNvPr id="4" name="TextBox 3">
+            <a:extLst>
+              <a:ext uri="{FF2B5EF4-FFF2-40B4-BE49-F238E27FC236}">
+                <a16:creationId xmlns:a16="http://schemas.microsoft.com/office/drawing/2014/main" id="{49496F90-3443-EDB3-A502-EE0EE2B07499}"/>
+              </a:ext>
+            </a:extLst>
+          </p:cNvPr>
+          <p:cNvSpPr txBox="1"/>
+          <p:nvPr/>
+        </p:nvSpPr>
+        <p:spPr>
+          <a:xfrm>
+            <a:off x="812672" y="857159"/>
+            <a:ext cx="3292983" cy="369332"/>
+          </a:xfrm>
+          <a:prstGeom prst="rect">
+            <a:avLst/>
+          </a:prstGeom>
+          <a:noFill/>
+        </p:spPr>
+        <p:txBody>
+          <a:bodyPr wrap="square" rtlCol="0">
+            <a:spAutoFit/>
+          </a:bodyPr>
+          <a:lstStyle/>
+          <a:p>
+            <a:r>
+              <a:rPr lang="en-CA" dirty="0"/>
+              <a:t>Hit that Subscribe button</a:t>
+            </a:r>
+          </a:p>
+        </p:txBody>
+      </p:sp>
+      <p:pic>
+        <p:nvPicPr>
+          <p:cNvPr id="5124" name="Picture 4" descr="Notification methods">
+            <a:extLst>
+              <a:ext uri="{FF2B5EF4-FFF2-40B4-BE49-F238E27FC236}">
+                <a16:creationId xmlns:a16="http://schemas.microsoft.com/office/drawing/2014/main" id="{83C1E047-ABE5-6B5B-2838-E356ACAA1DF3}"/>
+              </a:ext>
+            </a:extLst>
+          </p:cNvPr>
+          <p:cNvPicPr>
+            <a:picLocks noChangeAspect="1" noChangeArrowheads="1"/>
+          </p:cNvPicPr>
+          <p:nvPr/>
+        </p:nvPicPr>
+        <p:blipFill>
+          <a:blip r:embed="rId3">
+            <a:extLst>
+              <a:ext uri="{28A0092B-C50C-407E-A947-70E740481C1C}">
+                <a14:useLocalDpi xmlns:a14="http://schemas.microsoft.com/office/drawing/2010/main" val="0"/>
+              </a:ext>
+            </a:extLst>
+          </a:blip>
+          <a:srcRect/>
+          <a:stretch>
+            <a:fillRect/>
+          </a:stretch>
+        </p:blipFill>
+        <p:spPr bwMode="auto">
+          <a:xfrm>
+            <a:off x="6346698" y="1041825"/>
+            <a:ext cx="4381500" cy="3524250"/>
+          </a:xfrm>
+          <a:prstGeom prst="rect">
+            <a:avLst/>
+          </a:prstGeom>
+          <a:noFill/>
+          <a:extLst>
+            <a:ext uri="{909E8E84-426E-40DD-AFC4-6F175D3DCCD1}">
+              <a14:hiddenFill xmlns:a14="http://schemas.microsoft.com/office/drawing/2010/main">
+                <a:solidFill>
+                  <a:srgbClr val="FFFFFF"/>
+                </a:solidFill>
+              </a14:hiddenFill>
+            </a:ext>
+          </a:extLst>
+        </p:spPr>
+      </p:pic>
+    </p:spTree>
+    <p:extLst>
+      <p:ext uri="{BB962C8B-B14F-4D97-AF65-F5344CB8AC3E}">
+        <p14:creationId xmlns:p14="http://schemas.microsoft.com/office/powerpoint/2010/main" val="724094666"/>
+      </p:ext>
+    </p:extLst>
+  </p:cSld>
+  <p:clrMapOvr>
+    <a:masterClrMapping/>
+  </p:clrMapOvr>
+</p:sld>
+</file>
+
+<file path=ppt/slides/slide15.xml><?xml version="1.0" encoding="utf-8"?>
+<p:sld xmlns:a="http://schemas.openxmlformats.org/drawingml/2006/main" xmlns:r="http://schemas.openxmlformats.org/officeDocument/2006/relationships" xmlns:p="http://schemas.openxmlformats.org/presentationml/2006/main">
+  <p:cSld>
+    <p:spTree>
+      <p:nvGrpSpPr>
+        <p:cNvPr id="1" name=""/>
+        <p:cNvGrpSpPr/>
+        <p:nvPr/>
+      </p:nvGrpSpPr>
+      <p:grpSpPr>
+        <a:xfrm>
+          <a:off x="0" y="0"/>
+          <a:ext cx="0" cy="0"/>
+          <a:chOff x="0" y="0"/>
+          <a:chExt cx="0" cy="0"/>
+        </a:xfrm>
+      </p:grpSpPr>
+      <p:sp>
+        <p:nvSpPr>
+          <p:cNvPr id="2" name="Title 1">
+            <a:extLst>
+              <a:ext uri="{FF2B5EF4-FFF2-40B4-BE49-F238E27FC236}">
+                <a16:creationId xmlns:a16="http://schemas.microsoft.com/office/drawing/2014/main" id="{138CFD82-E2FD-A041-33EB-824607C49EA2}"/>
+              </a:ext>
+            </a:extLst>
+          </p:cNvPr>
+          <p:cNvSpPr>
+            <a:spLocks noGrp="1"/>
+          </p:cNvSpPr>
+          <p:nvPr>
+            <p:ph type="title"/>
+          </p:nvPr>
+        </p:nvSpPr>
+        <p:spPr/>
+        <p:txBody>
+          <a:bodyPr/>
+          <a:lstStyle/>
+          <a:p>
+            <a:r>
+              <a:rPr lang="en-CA" dirty="0"/>
+              <a:t>State</a:t>
+            </a:r>
+          </a:p>
+        </p:txBody>
+      </p:sp>
+      <p:pic>
+        <p:nvPicPr>
+          <p:cNvPr id="6146" name="Picture 2" descr="Finite-State Machine">
+            <a:extLst>
+              <a:ext uri="{FF2B5EF4-FFF2-40B4-BE49-F238E27FC236}">
+                <a16:creationId xmlns:a16="http://schemas.microsoft.com/office/drawing/2014/main" id="{5C3AE839-EEFB-38D0-C52F-F59DCED38BE7}"/>
+              </a:ext>
+            </a:extLst>
+          </p:cNvPr>
+          <p:cNvPicPr>
+            <a:picLocks noChangeAspect="1" noChangeArrowheads="1"/>
+          </p:cNvPicPr>
+          <p:nvPr/>
+        </p:nvPicPr>
+        <p:blipFill>
+          <a:blip r:embed="rId2">
+            <a:extLst>
+              <a:ext uri="{28A0092B-C50C-407E-A947-70E740481C1C}">
+                <a14:useLocalDpi xmlns:a14="http://schemas.microsoft.com/office/drawing/2010/main" val="0"/>
+              </a:ext>
+            </a:extLst>
+          </a:blip>
+          <a:srcRect/>
+          <a:stretch>
+            <a:fillRect/>
+          </a:stretch>
+        </p:blipFill>
+        <p:spPr bwMode="auto">
+          <a:xfrm>
+            <a:off x="5614416" y="1256538"/>
+            <a:ext cx="5559552" cy="3822192"/>
+          </a:xfrm>
+          <a:prstGeom prst="rect">
+            <a:avLst/>
+          </a:prstGeom>
+          <a:noFill/>
+          <a:extLst>
+            <a:ext uri="{909E8E84-426E-40DD-AFC4-6F175D3DCCD1}">
+              <a14:hiddenFill xmlns:a14="http://schemas.microsoft.com/office/drawing/2010/main">
+                <a:solidFill>
+                  <a:srgbClr val="FFFFFF"/>
+                </a:solidFill>
+              </a14:hiddenFill>
+            </a:ext>
+          </a:extLst>
+        </p:spPr>
+      </p:pic>
+    </p:spTree>
+    <p:extLst>
+      <p:ext uri="{BB962C8B-B14F-4D97-AF65-F5344CB8AC3E}">
+        <p14:creationId xmlns:p14="http://schemas.microsoft.com/office/powerpoint/2010/main" val="3616193471"/>
+      </p:ext>
+    </p:extLst>
+  </p:cSld>
+  <p:clrMapOvr>
+    <a:masterClrMapping/>
+  </p:clrMapOvr>
+</p:sld>
+</file>
+
+<file path=ppt/slides/slide16.xml><?xml version="1.0" encoding="utf-8"?>
+<p:sld xmlns:a="http://schemas.openxmlformats.org/drawingml/2006/main" xmlns:r="http://schemas.openxmlformats.org/officeDocument/2006/relationships" xmlns:p="http://schemas.openxmlformats.org/presentationml/2006/main">
+  <p:cSld>
+    <p:spTree>
+      <p:nvGrpSpPr>
+        <p:cNvPr id="1" name=""/>
+        <p:cNvGrpSpPr/>
+        <p:nvPr/>
+      </p:nvGrpSpPr>
+      <p:grpSpPr>
+        <a:xfrm>
+          <a:off x="0" y="0"/>
+          <a:ext cx="0" cy="0"/>
+          <a:chOff x="0" y="0"/>
+          <a:chExt cx="0" cy="0"/>
+        </a:xfrm>
+      </p:grpSpPr>
+      <p:sp>
+        <p:nvSpPr>
+          <p:cNvPr id="4" name="Title 3">
+            <a:extLst>
+              <a:ext uri="{FF2B5EF4-FFF2-40B4-BE49-F238E27FC236}">
+                <a16:creationId xmlns:a16="http://schemas.microsoft.com/office/drawing/2014/main" id="{FCAD3FDB-2D5C-83FE-76D7-D0875477DF8D}"/>
+              </a:ext>
+            </a:extLst>
+          </p:cNvPr>
+          <p:cNvSpPr>
+            <a:spLocks noGrp="1"/>
+          </p:cNvSpPr>
+          <p:nvPr>
+            <p:ph type="title"/>
+          </p:nvPr>
+        </p:nvSpPr>
+        <p:spPr/>
+        <p:txBody>
+          <a:bodyPr/>
+          <a:lstStyle/>
+          <a:p>
+            <a:r>
+              <a:rPr lang="en-CA" dirty="0"/>
+              <a:t>FSM States</a:t>
+            </a:r>
+          </a:p>
+        </p:txBody>
+      </p:sp>
+      <p:sp>
+        <p:nvSpPr>
+          <p:cNvPr id="5" name="Content Placeholder 4">
+            <a:extLst>
+              <a:ext uri="{FF2B5EF4-FFF2-40B4-BE49-F238E27FC236}">
+                <a16:creationId xmlns:a16="http://schemas.microsoft.com/office/drawing/2014/main" id="{EDBDE4A1-A999-746A-DF03-EE2177071BE2}"/>
+              </a:ext>
+            </a:extLst>
+          </p:cNvPr>
+          <p:cNvSpPr>
+            <a:spLocks noGrp="1"/>
+          </p:cNvSpPr>
+          <p:nvPr>
+            <p:ph sz="half" idx="1"/>
+          </p:nvPr>
+        </p:nvSpPr>
+        <p:spPr/>
+        <p:txBody>
+          <a:bodyPr/>
+          <a:lstStyle/>
+          <a:p>
+            <a:pPr marL="0" indent="0">
+              <a:buNone/>
+            </a:pPr>
+            <a:r>
+              <a:rPr lang="en-CA" dirty="0"/>
+              <a:t>Nir to explain the 5 states of a FSM </a:t>
+            </a:r>
+          </a:p>
+        </p:txBody>
+      </p:sp>
+      <p:sp>
+        <p:nvSpPr>
+          <p:cNvPr id="6" name="Content Placeholder 5">
+            <a:extLst>
+              <a:ext uri="{FF2B5EF4-FFF2-40B4-BE49-F238E27FC236}">
+                <a16:creationId xmlns:a16="http://schemas.microsoft.com/office/drawing/2014/main" id="{F01BA4DA-C27A-62A4-F81C-D629BC3D0DC5}"/>
+              </a:ext>
+            </a:extLst>
+          </p:cNvPr>
+          <p:cNvSpPr>
+            <a:spLocks noGrp="1"/>
+          </p:cNvSpPr>
+          <p:nvPr>
+            <p:ph sz="half" idx="2"/>
+          </p:nvPr>
+        </p:nvSpPr>
+        <p:spPr/>
+        <p:txBody>
+          <a:bodyPr/>
+          <a:lstStyle/>
+          <a:p>
+            <a:pPr marL="0" indent="0">
+              <a:buNone/>
+            </a:pPr>
+            <a:r>
+              <a:rPr lang="en-CA" dirty="0"/>
+              <a:t>Arthur to provide a proof of </a:t>
+            </a:r>
+          </a:p>
+          <a:p>
+            <a:pPr marL="0" indent="0">
+              <a:buNone/>
+            </a:pPr>
+            <a:endParaRPr lang="en-CA" dirty="0"/>
+          </a:p>
+        </p:txBody>
+      </p:sp>
+      <p:sp>
+        <p:nvSpPr>
+          <p:cNvPr id="8" name="Rectangle 2">
+            <a:extLst>
+              <a:ext uri="{FF2B5EF4-FFF2-40B4-BE49-F238E27FC236}">
+                <a16:creationId xmlns:a16="http://schemas.microsoft.com/office/drawing/2014/main" id="{D0D2B7E1-44F6-40B1-CCB1-A0E28E85270A}"/>
+              </a:ext>
+            </a:extLst>
+          </p:cNvPr>
+          <p:cNvSpPr>
+            <a:spLocks noChangeArrowheads="1"/>
+          </p:cNvSpPr>
+          <p:nvPr/>
+        </p:nvSpPr>
+        <p:spPr bwMode="auto">
+          <a:xfrm>
+            <a:off x="5133218" y="4269709"/>
+            <a:ext cx="6384705" cy="1785104"/>
+          </a:xfrm>
+          <a:prstGeom prst="rect">
+            <a:avLst/>
+          </a:prstGeom>
+          <a:noFill/>
+          <a:ln>
+            <a:noFill/>
+          </a:ln>
+          <a:effectLst/>
+          <a:extLst>
+            <a:ext uri="{909E8E84-426E-40DD-AFC4-6F175D3DCCD1}">
+              <a14:hiddenFill xmlns:a14="http://schemas.microsoft.com/office/drawing/2010/main">
+                <a:solidFill>
+                  <a:schemeClr val="accent1"/>
+                </a:solidFill>
+              </a14:hiddenFill>
+            </a:ext>
+            <a:ext uri="{91240B29-F687-4F45-9708-019B960494DF}">
+              <a14:hiddenLine xmlns:a14="http://schemas.microsoft.com/office/drawing/2010/main" w="9525">
+                <a:solidFill>
+                  <a:schemeClr val="tx1"/>
+                </a:solidFill>
+                <a:miter lim="800000"/>
+                <a:headEnd/>
+                <a:tailEnd/>
+              </a14:hiddenLine>
+            </a:ext>
+            <a:ext uri="{AF507438-7753-43E0-B8FC-AC1667EBCBE1}">
+              <a14:hiddenEffects xmlns:a14="http://schemas.microsoft.com/office/drawing/2010/main">
+                <a:effectLst>
+                  <a:outerShdw dist="35921" dir="2700000" algn="ctr" rotWithShape="0">
+                    <a:schemeClr val="bg2"/>
+                  </a:outerShdw>
+                </a:effectLst>
+              </a14:hiddenEffects>
+            </a:ext>
+          </a:extLst>
+        </p:spPr>
+        <p:txBody>
+          <a:bodyPr vert="horz" wrap="square" lIns="91440" tIns="45720" rIns="91440" bIns="45720" numCol="1" anchor="ctr" anchorCtr="0" compatLnSpc="1">
+            <a:prstTxWarp prst="textNoShape">
+              <a:avLst/>
+            </a:prstTxWarp>
+            <a:spAutoFit/>
+          </a:bodyPr>
+          <a:lstStyle>
+            <a:lvl1pPr eaLnBrk="0" fontAlgn="base" hangingPunct="0">
+              <a:spcBef>
+                <a:spcPct val="0"/>
+              </a:spcBef>
+              <a:spcAft>
+                <a:spcPct val="0"/>
+              </a:spcAft>
+              <a:defRPr>
+                <a:solidFill>
+                  <a:schemeClr val="tx1"/>
+                </a:solidFill>
+                <a:latin typeface="Arial" panose="020B0604020202020204" pitchFamily="34" charset="0"/>
+              </a:defRPr>
+            </a:lvl1pPr>
+            <a:lvl2pPr eaLnBrk="0" fontAlgn="base" hangingPunct="0">
+              <a:spcBef>
+                <a:spcPct val="0"/>
+              </a:spcBef>
+              <a:spcAft>
+                <a:spcPct val="0"/>
+              </a:spcAft>
+              <a:defRPr>
+                <a:solidFill>
+                  <a:schemeClr val="tx1"/>
+                </a:solidFill>
+                <a:latin typeface="Arial" panose="020B0604020202020204" pitchFamily="34" charset="0"/>
+              </a:defRPr>
+            </a:lvl2pPr>
+            <a:lvl3pPr eaLnBrk="0" fontAlgn="base" hangingPunct="0">
+              <a:spcBef>
+                <a:spcPct val="0"/>
+              </a:spcBef>
+              <a:spcAft>
+                <a:spcPct val="0"/>
+              </a:spcAft>
+              <a:defRPr>
+                <a:solidFill>
+                  <a:schemeClr val="tx1"/>
+                </a:solidFill>
+                <a:latin typeface="Arial" panose="020B0604020202020204" pitchFamily="34" charset="0"/>
+              </a:defRPr>
+            </a:lvl3pPr>
+            <a:lvl4pPr eaLnBrk="0" fontAlgn="base" hangingPunct="0">
+              <a:spcBef>
+                <a:spcPct val="0"/>
+              </a:spcBef>
+              <a:spcAft>
+                <a:spcPct val="0"/>
+              </a:spcAft>
+              <a:defRPr>
+                <a:solidFill>
+                  <a:schemeClr val="tx1"/>
+                </a:solidFill>
+                <a:latin typeface="Arial" panose="020B0604020202020204" pitchFamily="34" charset="0"/>
+              </a:defRPr>
+            </a:lvl4pPr>
+            <a:lvl5pPr eaLnBrk="0" fontAlgn="base" hangingPunct="0">
+              <a:spcBef>
+                <a:spcPct val="0"/>
+              </a:spcBef>
+              <a:spcAft>
+                <a:spcPct val="0"/>
+              </a:spcAft>
+              <a:defRPr>
+                <a:solidFill>
+                  <a:schemeClr val="tx1"/>
+                </a:solidFill>
+                <a:latin typeface="Arial" panose="020B0604020202020204" pitchFamily="34" charset="0"/>
+              </a:defRPr>
+            </a:lvl5pPr>
+            <a:lvl6pPr eaLnBrk="0" fontAlgn="base" hangingPunct="0">
+              <a:spcBef>
+                <a:spcPct val="0"/>
+              </a:spcBef>
+              <a:spcAft>
+                <a:spcPct val="0"/>
+              </a:spcAft>
+              <a:defRPr>
+                <a:solidFill>
+                  <a:schemeClr val="tx1"/>
+                </a:solidFill>
+                <a:latin typeface="Arial" panose="020B0604020202020204" pitchFamily="34" charset="0"/>
+              </a:defRPr>
+            </a:lvl6pPr>
+            <a:lvl7pPr eaLnBrk="0" fontAlgn="base" hangingPunct="0">
+              <a:spcBef>
+                <a:spcPct val="0"/>
+              </a:spcBef>
+              <a:spcAft>
+                <a:spcPct val="0"/>
+              </a:spcAft>
+              <a:defRPr>
+                <a:solidFill>
+                  <a:schemeClr val="tx1"/>
+                </a:solidFill>
+                <a:latin typeface="Arial" panose="020B0604020202020204" pitchFamily="34" charset="0"/>
+              </a:defRPr>
+            </a:lvl7pPr>
+            <a:lvl8pPr eaLnBrk="0" fontAlgn="base" hangingPunct="0">
+              <a:spcBef>
+                <a:spcPct val="0"/>
+              </a:spcBef>
+              <a:spcAft>
+                <a:spcPct val="0"/>
+              </a:spcAft>
+              <a:defRPr>
+                <a:solidFill>
+                  <a:schemeClr val="tx1"/>
+                </a:solidFill>
+                <a:latin typeface="Arial" panose="020B0604020202020204" pitchFamily="34" charset="0"/>
+              </a:defRPr>
+            </a:lvl8pPr>
+            <a:lvl9pPr eaLnBrk="0" fontAlgn="base" hangingPunct="0">
+              <a:spcBef>
+                <a:spcPct val="0"/>
+              </a:spcBef>
+              <a:spcAft>
+                <a:spcPct val="0"/>
+              </a:spcAft>
+              <a:defRPr>
+                <a:solidFill>
+                  <a:schemeClr val="tx1"/>
+                </a:solidFill>
+                <a:latin typeface="Arial" panose="020B0604020202020204" pitchFamily="34" charset="0"/>
+              </a:defRPr>
+            </a:lvl9pPr>
+          </a:lstStyle>
+          <a:p>
+            <a:pPr marL="0" marR="0" lvl="0" indent="0" algn="l" defTabSz="914400" rtl="0" eaLnBrk="0" fontAlgn="base" latinLnBrk="0" hangingPunct="0">
+              <a:lnSpc>
+                <a:spcPct val="100000"/>
+              </a:lnSpc>
+              <a:spcBef>
+                <a:spcPct val="0"/>
+              </a:spcBef>
+              <a:spcAft>
+                <a:spcPct val="0"/>
+              </a:spcAft>
+              <a:buClrTx/>
+              <a:buSzTx/>
+              <a:buFontTx/>
+              <a:buNone/>
+              <a:tabLst/>
+            </a:pPr>
+            <a:r>
+              <a:rPr kumimoji="0" lang="en-US" altLang="en-US" b="0" i="0" u="none" strike="noStrike" cap="none" normalizeH="0" baseline="0" dirty="0">
+                <a:ln>
+                  <a:noFill/>
+                </a:ln>
+                <a:solidFill>
+                  <a:srgbClr val="0C0D0E"/>
+                </a:solidFill>
+                <a:effectLst/>
+                <a:latin typeface="Georgia" panose="02040502050405020303" pitchFamily="18" charset="0"/>
+              </a:rPr>
+              <a:t>A </a:t>
+            </a:r>
+            <a:r>
+              <a:rPr lang="en-US" altLang="en-US" dirty="0">
+                <a:solidFill>
+                  <a:srgbClr val="0C0D0E"/>
+                </a:solidFill>
+                <a:latin typeface="Georgia" panose="02040502050405020303" pitchFamily="18" charset="0"/>
+              </a:rPr>
+              <a:t>F</a:t>
+            </a:r>
+            <a:r>
+              <a:rPr kumimoji="0" lang="en-US" altLang="en-US" b="0" i="0" u="none" strike="noStrike" cap="none" normalizeH="0" baseline="0" dirty="0">
+                <a:ln>
+                  <a:noFill/>
+                </a:ln>
+                <a:solidFill>
+                  <a:srgbClr val="0C0D0E"/>
+                </a:solidFill>
+                <a:effectLst/>
+                <a:latin typeface="Georgia" panose="02040502050405020303" pitchFamily="18" charset="0"/>
+              </a:rPr>
+              <a:t>inite </a:t>
+            </a:r>
+            <a:r>
+              <a:rPr lang="en-US" altLang="en-US" dirty="0">
+                <a:solidFill>
+                  <a:srgbClr val="0C0D0E"/>
+                </a:solidFill>
+                <a:latin typeface="Georgia" panose="02040502050405020303" pitchFamily="18" charset="0"/>
+              </a:rPr>
+              <a:t>S</a:t>
+            </a:r>
+            <a:r>
+              <a:rPr kumimoji="0" lang="en-US" altLang="en-US" b="0" i="0" u="none" strike="noStrike" cap="none" normalizeH="0" baseline="0" dirty="0">
+                <a:ln>
+                  <a:noFill/>
+                </a:ln>
+                <a:solidFill>
+                  <a:srgbClr val="0C0D0E"/>
+                </a:solidFill>
+                <a:effectLst/>
+                <a:latin typeface="Georgia" panose="02040502050405020303" pitchFamily="18" charset="0"/>
+              </a:rPr>
+              <a:t>tate </a:t>
+            </a:r>
+            <a:r>
+              <a:rPr lang="en-US" altLang="en-US" dirty="0">
+                <a:solidFill>
+                  <a:srgbClr val="0C0D0E"/>
+                </a:solidFill>
+                <a:latin typeface="Georgia" panose="02040502050405020303" pitchFamily="18" charset="0"/>
+              </a:rPr>
+              <a:t>M</a:t>
+            </a:r>
+            <a:r>
+              <a:rPr kumimoji="0" lang="en-US" altLang="en-US" b="0" i="0" u="none" strike="noStrike" cap="none" normalizeH="0" baseline="0" dirty="0">
+                <a:ln>
+                  <a:noFill/>
+                </a:ln>
+                <a:solidFill>
+                  <a:srgbClr val="0C0D0E"/>
+                </a:solidFill>
+                <a:effectLst/>
+                <a:latin typeface="Georgia" panose="02040502050405020303" pitchFamily="18" charset="0"/>
+              </a:rPr>
+              <a:t>achine M such that if the number of states n&gt;=2, then there exits i</a:t>
+            </a:r>
+            <a:endParaRPr kumimoji="0" lang="en-US" altLang="en-US" sz="1100" b="0" i="0" u="none" strike="noStrike" cap="none" normalizeH="0" baseline="0" dirty="0">
+              <a:ln>
+                <a:noFill/>
+              </a:ln>
+              <a:solidFill>
+                <a:schemeClr val="tx1"/>
+              </a:solidFill>
+              <a:effectLst/>
+            </a:endParaRPr>
+          </a:p>
+          <a:p>
+            <a:pPr marL="0" marR="0" lvl="0" indent="0" algn="l" defTabSz="914400" rtl="0" eaLnBrk="0" fontAlgn="base" latinLnBrk="0" hangingPunct="0">
+              <a:lnSpc>
+                <a:spcPct val="100000"/>
+              </a:lnSpc>
+              <a:spcBef>
+                <a:spcPct val="0"/>
+              </a:spcBef>
+              <a:spcAft>
+                <a:spcPct val="0"/>
+              </a:spcAft>
+              <a:buClrTx/>
+              <a:buSzTx/>
+              <a:buFontTx/>
+              <a:buNone/>
+              <a:tabLst/>
+            </a:pPr>
+            <a:endParaRPr kumimoji="0" lang="en-US" altLang="en-US" b="0" i="0" u="none" strike="noStrike" cap="none" normalizeH="0" baseline="0" dirty="0">
+              <a:ln>
+                <a:noFill/>
+              </a:ln>
+              <a:solidFill>
+                <a:srgbClr val="0C0D0E"/>
+              </a:solidFill>
+              <a:effectLst/>
+              <a:latin typeface="inherit"/>
+            </a:endParaRPr>
+          </a:p>
+          <a:p>
+            <a:pPr marL="0" marR="0" lvl="0" indent="0" algn="l" defTabSz="914400" rtl="0" eaLnBrk="0" fontAlgn="base" latinLnBrk="0" hangingPunct="0">
+              <a:lnSpc>
+                <a:spcPct val="100000"/>
+              </a:lnSpc>
+              <a:spcBef>
+                <a:spcPct val="0"/>
+              </a:spcBef>
+              <a:spcAft>
+                <a:spcPct val="0"/>
+              </a:spcAft>
+              <a:buClrTx/>
+              <a:buSzTx/>
+              <a:buFontTx/>
+              <a:buNone/>
+              <a:tabLst/>
+            </a:pPr>
+            <a:r>
+              <a:rPr kumimoji="0" lang="en-US" altLang="en-US" b="0" i="0" u="none" strike="noStrike" cap="none" normalizeH="0" baseline="0" dirty="0">
+                <a:ln>
+                  <a:noFill/>
+                </a:ln>
+                <a:solidFill>
+                  <a:srgbClr val="0C0D0E"/>
+                </a:solidFill>
+                <a:effectLst/>
+                <a:latin typeface="inherit"/>
+              </a:rPr>
+              <a:t>≡i=≡i+1</a:t>
+            </a:r>
+            <a:r>
+              <a:rPr kumimoji="0" lang="en-US" altLang="en-US" b="0" i="0" u="none" strike="noStrike" cap="none" normalizeH="0" baseline="0" dirty="0">
+                <a:ln>
+                  <a:noFill/>
+                </a:ln>
+                <a:solidFill>
+                  <a:srgbClr val="0C0D0E"/>
+                </a:solidFill>
+                <a:effectLst/>
+                <a:latin typeface="Georgia" panose="02040502050405020303" pitchFamily="18" charset="0"/>
+              </a:rPr>
+              <a:t> </a:t>
+            </a:r>
+          </a:p>
+          <a:p>
+            <a:pPr marL="0" marR="0" lvl="0" indent="0" algn="l" defTabSz="914400" rtl="0" eaLnBrk="0" fontAlgn="base" latinLnBrk="0" hangingPunct="0">
+              <a:lnSpc>
+                <a:spcPct val="100000"/>
+              </a:lnSpc>
+              <a:spcBef>
+                <a:spcPct val="0"/>
+              </a:spcBef>
+              <a:spcAft>
+                <a:spcPct val="0"/>
+              </a:spcAft>
+              <a:buClrTx/>
+              <a:buSzTx/>
+              <a:buFontTx/>
+              <a:buNone/>
+              <a:tabLst/>
+            </a:pPr>
+            <a:endParaRPr kumimoji="0" lang="en-US" altLang="en-US" b="0" i="0" u="none" strike="noStrike" cap="none" normalizeH="0" baseline="0" dirty="0">
+              <a:ln>
+                <a:noFill/>
+              </a:ln>
+              <a:solidFill>
+                <a:srgbClr val="0C0D0E"/>
+              </a:solidFill>
+              <a:effectLst/>
+              <a:latin typeface="Georgia" panose="02040502050405020303" pitchFamily="18" charset="0"/>
+            </a:endParaRPr>
+          </a:p>
+          <a:p>
+            <a:pPr marL="0" marR="0" lvl="0" indent="0" algn="l" defTabSz="914400" rtl="0" eaLnBrk="0" fontAlgn="base" latinLnBrk="0" hangingPunct="0">
+              <a:lnSpc>
+                <a:spcPct val="100000"/>
+              </a:lnSpc>
+              <a:spcBef>
+                <a:spcPct val="0"/>
+              </a:spcBef>
+              <a:spcAft>
+                <a:spcPct val="0"/>
+              </a:spcAft>
+              <a:buClrTx/>
+              <a:buSzTx/>
+              <a:buFontTx/>
+              <a:buNone/>
+              <a:tabLst/>
+            </a:pPr>
+            <a:r>
+              <a:rPr kumimoji="0" lang="en-US" altLang="en-US" b="0" i="0" u="none" strike="noStrike" cap="none" normalizeH="0" baseline="0" dirty="0">
+                <a:ln>
+                  <a:noFill/>
+                </a:ln>
+                <a:solidFill>
+                  <a:srgbClr val="0C0D0E"/>
+                </a:solidFill>
+                <a:effectLst/>
+                <a:latin typeface="Georgia" panose="02040502050405020303" pitchFamily="18" charset="0"/>
+              </a:rPr>
+              <a:t>Or </a:t>
+            </a:r>
+            <a:r>
+              <a:rPr kumimoji="0" lang="en-US" altLang="en-US" sz="2000" b="0" i="0" u="none" strike="noStrike" cap="none" normalizeH="0" baseline="0" dirty="0" err="1">
+                <a:ln>
+                  <a:noFill/>
+                </a:ln>
+                <a:solidFill>
+                  <a:srgbClr val="0C0D0E"/>
+                </a:solidFill>
+                <a:effectLst/>
+                <a:latin typeface="MathJax_Math-italic"/>
+              </a:rPr>
+              <a:t>i</a:t>
+            </a:r>
+            <a:r>
+              <a:rPr kumimoji="0" lang="en-US" altLang="en-US" sz="1100" b="0" i="0" u="none" strike="noStrike" cap="none" normalizeH="0" baseline="0" dirty="0" err="1">
+                <a:ln>
+                  <a:noFill/>
+                </a:ln>
+                <a:solidFill>
+                  <a:srgbClr val="0C0D0E"/>
+                </a:solidFill>
+                <a:effectLst/>
+                <a:latin typeface="MathJax_Math-italic"/>
+              </a:rPr>
+              <a:t>th</a:t>
+            </a:r>
+            <a:r>
+              <a:rPr kumimoji="0" lang="en-US" altLang="en-US" b="0" i="0" u="none" strike="noStrike" cap="none" normalizeH="0" baseline="0" dirty="0">
+                <a:ln>
+                  <a:noFill/>
+                </a:ln>
+                <a:solidFill>
+                  <a:srgbClr val="0C0D0E"/>
+                </a:solidFill>
+                <a:effectLst/>
+                <a:latin typeface="inherit"/>
+              </a:rPr>
+              <a:t> </a:t>
+            </a:r>
+            <a:r>
+              <a:rPr kumimoji="0" lang="en-US" altLang="en-US" b="0" i="0" u="none" strike="noStrike" cap="none" normalizeH="0" baseline="0" dirty="0">
+                <a:ln>
+                  <a:noFill/>
+                </a:ln>
+                <a:solidFill>
+                  <a:srgbClr val="0C0D0E"/>
+                </a:solidFill>
+                <a:effectLst/>
+                <a:latin typeface="Georgia" panose="02040502050405020303" pitchFamily="18" charset="0"/>
+              </a:rPr>
+              <a:t>equivalence class = </a:t>
+            </a:r>
+            <a:r>
+              <a:rPr kumimoji="0" lang="en-US" altLang="en-US" sz="2000" b="0" i="0" u="none" strike="noStrike" cap="none" normalizeH="0" baseline="0" dirty="0">
+                <a:ln>
+                  <a:noFill/>
+                </a:ln>
+                <a:solidFill>
+                  <a:srgbClr val="0C0D0E"/>
+                </a:solidFill>
+                <a:effectLst/>
+                <a:latin typeface="MathJax_Math-italic"/>
+              </a:rPr>
+              <a:t>i</a:t>
+            </a:r>
+            <a:r>
+              <a:rPr kumimoji="0" lang="en-US" altLang="en-US" sz="2000" b="0" i="0" u="none" strike="noStrike" cap="none" normalizeH="0" baseline="0" dirty="0">
+                <a:ln>
+                  <a:noFill/>
+                </a:ln>
+                <a:solidFill>
+                  <a:srgbClr val="0C0D0E"/>
+                </a:solidFill>
+                <a:effectLst/>
+                <a:latin typeface="MathJax_Main"/>
+              </a:rPr>
+              <a:t>+1</a:t>
+            </a:r>
+            <a:r>
+              <a:rPr kumimoji="0" lang="en-US" altLang="en-US" sz="1100" b="0" i="0" u="none" strike="noStrike" cap="none" normalizeH="0" baseline="0" dirty="0">
+                <a:ln>
+                  <a:noFill/>
+                </a:ln>
+                <a:solidFill>
+                  <a:srgbClr val="0C0D0E"/>
+                </a:solidFill>
+                <a:effectLst/>
+                <a:latin typeface="MathJax_Math-italic"/>
+              </a:rPr>
+              <a:t>th</a:t>
+            </a:r>
+            <a:r>
+              <a:rPr kumimoji="0" lang="en-US" altLang="en-US" sz="1100" b="0" i="0" u="none" strike="noStrike" cap="none" normalizeH="0" dirty="0">
+                <a:ln>
+                  <a:noFill/>
+                </a:ln>
+                <a:solidFill>
+                  <a:srgbClr val="0C0D0E"/>
+                </a:solidFill>
+                <a:effectLst/>
+                <a:latin typeface="MathJax_Math-italic"/>
+              </a:rPr>
+              <a:t> </a:t>
+            </a:r>
+            <a:r>
+              <a:rPr kumimoji="0" lang="en-US" altLang="en-US" b="0" i="0" u="none" strike="noStrike" cap="none" normalizeH="0" baseline="0" dirty="0">
+                <a:ln>
+                  <a:noFill/>
+                </a:ln>
+                <a:solidFill>
+                  <a:srgbClr val="0C0D0E"/>
+                </a:solidFill>
+                <a:effectLst/>
+                <a:latin typeface="Georgia" panose="02040502050405020303" pitchFamily="18" charset="0"/>
+              </a:rPr>
+              <a:t>equivalence class</a:t>
+            </a:r>
+            <a:endParaRPr kumimoji="0" lang="en-US" altLang="en-US" sz="3200" b="0" i="0" u="none" strike="noStrike" cap="none" normalizeH="0" baseline="0" dirty="0">
+              <a:ln>
+                <a:noFill/>
+              </a:ln>
+              <a:solidFill>
+                <a:schemeClr val="tx1"/>
+              </a:solidFill>
+              <a:effectLst/>
+              <a:latin typeface="Arial" panose="020B0604020202020204" pitchFamily="34" charset="0"/>
+            </a:endParaRPr>
+          </a:p>
+        </p:txBody>
+      </p:sp>
+    </p:spTree>
+    <p:extLst>
+      <p:ext uri="{BB962C8B-B14F-4D97-AF65-F5344CB8AC3E}">
+        <p14:creationId xmlns:p14="http://schemas.microsoft.com/office/powerpoint/2010/main" val="3972037763"/>
+      </p:ext>
+    </p:extLst>
+  </p:cSld>
+  <p:clrMapOvr>
+    <a:masterClrMapping/>
+  </p:clrMapOvr>
+</p:sld>
+</file>
+
+<file path=ppt/slides/slide17.xml><?xml version="1.0" encoding="utf-8"?>
+<p:sld xmlns:a="http://schemas.openxmlformats.org/drawingml/2006/main" xmlns:r="http://schemas.openxmlformats.org/officeDocument/2006/relationships" xmlns:p="http://schemas.openxmlformats.org/presentationml/2006/main">
+  <p:cSld>
+    <p:spTree>
+      <p:nvGrpSpPr>
+        <p:cNvPr id="1" name=""/>
+        <p:cNvGrpSpPr/>
+        <p:nvPr/>
+      </p:nvGrpSpPr>
+      <p:grpSpPr>
+        <a:xfrm>
+          <a:off x="0" y="0"/>
+          <a:ext cx="0" cy="0"/>
+          <a:chOff x="0" y="0"/>
+          <a:chExt cx="0" cy="0"/>
+        </a:xfrm>
+      </p:grpSpPr>
+      <p:sp>
+        <p:nvSpPr>
+          <p:cNvPr id="6" name="TextBox 5">
+            <a:extLst>
+              <a:ext uri="{FF2B5EF4-FFF2-40B4-BE49-F238E27FC236}">
+                <a16:creationId xmlns:a16="http://schemas.microsoft.com/office/drawing/2014/main" id="{600F75D9-C76C-B253-B758-723AB02D946B}"/>
+              </a:ext>
+            </a:extLst>
+          </p:cNvPr>
+          <p:cNvSpPr txBox="1"/>
+          <p:nvPr/>
+        </p:nvSpPr>
+        <p:spPr>
+          <a:xfrm>
+            <a:off x="3048762" y="6170414"/>
+            <a:ext cx="6094476" cy="369332"/>
+          </a:xfrm>
+          <a:prstGeom prst="rect">
+            <a:avLst/>
+          </a:prstGeom>
+          <a:noFill/>
+        </p:spPr>
+        <p:txBody>
+          <a:bodyPr wrap="square">
+            <a:spAutoFit/>
+          </a:bodyPr>
+          <a:lstStyle/>
+          <a:p>
+            <a:r>
+              <a:rPr lang="en-CA" dirty="0"/>
+              <a:t>https://www.youtube.com/watch?v=abX4xzaAsoc</a:t>
+            </a:r>
+          </a:p>
+        </p:txBody>
+      </p:sp>
+      <p:pic>
+        <p:nvPicPr>
+          <p:cNvPr id="8194" name="Picture 2" descr="Possible states of a document object">
+            <a:extLst>
+              <a:ext uri="{FF2B5EF4-FFF2-40B4-BE49-F238E27FC236}">
+                <a16:creationId xmlns:a16="http://schemas.microsoft.com/office/drawing/2014/main" id="{3A9020D6-C6EA-FC46-8BFA-2781E4BE478D}"/>
+              </a:ext>
+            </a:extLst>
+          </p:cNvPr>
+          <p:cNvPicPr>
+            <a:picLocks noChangeAspect="1" noChangeArrowheads="1"/>
+          </p:cNvPicPr>
+          <p:nvPr/>
+        </p:nvPicPr>
+        <p:blipFill>
+          <a:blip r:embed="rId2">
+            <a:extLst>
+              <a:ext uri="{28A0092B-C50C-407E-A947-70E740481C1C}">
+                <a14:useLocalDpi xmlns:a14="http://schemas.microsoft.com/office/drawing/2010/main" val="0"/>
+              </a:ext>
+            </a:extLst>
+          </a:blip>
+          <a:srcRect/>
+          <a:stretch>
+            <a:fillRect/>
+          </a:stretch>
+        </p:blipFill>
+        <p:spPr bwMode="auto">
+          <a:xfrm>
+            <a:off x="3048762" y="318254"/>
+            <a:ext cx="5334000" cy="4191000"/>
+          </a:xfrm>
+          <a:prstGeom prst="rect">
+            <a:avLst/>
+          </a:prstGeom>
+          <a:noFill/>
+          <a:extLst>
+            <a:ext uri="{909E8E84-426E-40DD-AFC4-6F175D3DCCD1}">
+              <a14:hiddenFill xmlns:a14="http://schemas.microsoft.com/office/drawing/2010/main">
+                <a:solidFill>
+                  <a:srgbClr val="FFFFFF"/>
+                </a:solidFill>
+              </a14:hiddenFill>
+            </a:ext>
+          </a:extLst>
+        </p:spPr>
+      </p:pic>
+      <p:sp>
+        <p:nvSpPr>
+          <p:cNvPr id="7" name="TextBox 6">
+            <a:extLst>
+              <a:ext uri="{FF2B5EF4-FFF2-40B4-BE49-F238E27FC236}">
+                <a16:creationId xmlns:a16="http://schemas.microsoft.com/office/drawing/2014/main" id="{6D9363C1-9CDE-7355-7A1C-AB835CF734F4}"/>
+              </a:ext>
+            </a:extLst>
+          </p:cNvPr>
+          <p:cNvSpPr txBox="1"/>
+          <p:nvPr/>
+        </p:nvSpPr>
+        <p:spPr>
+          <a:xfrm>
+            <a:off x="3048762" y="4785836"/>
+            <a:ext cx="6094476" cy="646331"/>
+          </a:xfrm>
+          <a:prstGeom prst="rect">
+            <a:avLst/>
+          </a:prstGeom>
+          <a:noFill/>
+        </p:spPr>
+        <p:txBody>
+          <a:bodyPr wrap="square">
+            <a:spAutoFit/>
+          </a:bodyPr>
+          <a:lstStyle/>
+          <a:p>
+            <a:r>
+              <a:rPr lang="en-CA" dirty="0"/>
+              <a:t>This can become overly complex if more and more states are added. </a:t>
+            </a:r>
+          </a:p>
+        </p:txBody>
+      </p:sp>
+      <p:sp>
+        <p:nvSpPr>
+          <p:cNvPr id="8" name="TextBox 7">
+            <a:extLst>
+              <a:ext uri="{FF2B5EF4-FFF2-40B4-BE49-F238E27FC236}">
+                <a16:creationId xmlns:a16="http://schemas.microsoft.com/office/drawing/2014/main" id="{AA464D0C-16F9-41F6-A22B-FB7A99AB5416}"/>
+              </a:ext>
+            </a:extLst>
+          </p:cNvPr>
+          <p:cNvSpPr txBox="1"/>
+          <p:nvPr/>
+        </p:nvSpPr>
+        <p:spPr>
+          <a:xfrm>
+            <a:off x="1162050" y="594836"/>
+            <a:ext cx="6094476" cy="369332"/>
+          </a:xfrm>
+          <a:prstGeom prst="rect">
+            <a:avLst/>
+          </a:prstGeom>
+          <a:noFill/>
+        </p:spPr>
+        <p:txBody>
+          <a:bodyPr wrap="square">
+            <a:spAutoFit/>
+          </a:bodyPr>
+          <a:lstStyle/>
+          <a:p>
+            <a:r>
+              <a:rPr lang="en-CA" dirty="0"/>
+              <a:t>Problem</a:t>
+            </a:r>
+          </a:p>
+        </p:txBody>
+      </p:sp>
+    </p:spTree>
+    <p:extLst>
+      <p:ext uri="{BB962C8B-B14F-4D97-AF65-F5344CB8AC3E}">
+        <p14:creationId xmlns:p14="http://schemas.microsoft.com/office/powerpoint/2010/main" val="130782195"/>
       </p:ext>
     </p:extLst>
   </p:cSld>
@@ -17562,7 +19346,7 @@
           <a:p>
             <a:r>
               <a:rPr lang="en-CA" dirty="0"/>
-              <a:t>Intent</a:t>
+              <a:t>Iterator</a:t>
             </a:r>
           </a:p>
         </p:txBody>
@@ -18085,6 +19869,135 @@
     <p:extLst>
       <p:ext uri="{BB962C8B-B14F-4D97-AF65-F5344CB8AC3E}">
         <p14:creationId xmlns:p14="http://schemas.microsoft.com/office/powerpoint/2010/main" val="2180726053"/>
+      </p:ext>
+    </p:extLst>
+  </p:cSld>
+  <p:clrMapOvr>
+    <a:masterClrMapping/>
+  </p:clrMapOvr>
+</p:sld>
+</file>
+
+<file path=ppt/slides/slide9.xml><?xml version="1.0" encoding="utf-8"?>
+<p:sld xmlns:a="http://schemas.openxmlformats.org/drawingml/2006/main" xmlns:r="http://schemas.openxmlformats.org/officeDocument/2006/relationships" xmlns:p="http://schemas.openxmlformats.org/presentationml/2006/main">
+  <p:cSld>
+    <p:spTree>
+      <p:nvGrpSpPr>
+        <p:cNvPr id="1" name="">
+          <a:extLst>
+            <a:ext uri="{FF2B5EF4-FFF2-40B4-BE49-F238E27FC236}">
+              <a16:creationId xmlns:a16="http://schemas.microsoft.com/office/drawing/2014/main" id="{06A452FB-30C0-817F-D552-02D70E9C49D0}"/>
+            </a:ext>
+          </a:extLst>
+        </p:cNvPr>
+        <p:cNvGrpSpPr/>
+        <p:nvPr/>
+      </p:nvGrpSpPr>
+      <p:grpSpPr>
+        <a:xfrm>
+          <a:off x="0" y="0"/>
+          <a:ext cx="0" cy="0"/>
+          <a:chOff x="0" y="0"/>
+          <a:chExt cx="0" cy="0"/>
+        </a:xfrm>
+      </p:grpSpPr>
+      <p:sp>
+        <p:nvSpPr>
+          <p:cNvPr id="2" name="Title 1">
+            <a:extLst>
+              <a:ext uri="{FF2B5EF4-FFF2-40B4-BE49-F238E27FC236}">
+                <a16:creationId xmlns:a16="http://schemas.microsoft.com/office/drawing/2014/main" id="{621A71FF-9DF3-0D99-67BE-3DFE65491775}"/>
+              </a:ext>
+            </a:extLst>
+          </p:cNvPr>
+          <p:cNvSpPr>
+            <a:spLocks noGrp="1"/>
+          </p:cNvSpPr>
+          <p:nvPr>
+            <p:ph type="title"/>
+          </p:nvPr>
+        </p:nvSpPr>
+        <p:spPr/>
+        <p:txBody>
+          <a:bodyPr/>
+          <a:lstStyle/>
+          <a:p>
+            <a:r>
+              <a:rPr lang="en-CA" dirty="0"/>
+              <a:t>Memento</a:t>
+            </a:r>
+          </a:p>
+        </p:txBody>
+      </p:sp>
+      <p:sp>
+        <p:nvSpPr>
+          <p:cNvPr id="5" name="TextBox 4">
+            <a:extLst>
+              <a:ext uri="{FF2B5EF4-FFF2-40B4-BE49-F238E27FC236}">
+                <a16:creationId xmlns:a16="http://schemas.microsoft.com/office/drawing/2014/main" id="{C44F7C2F-3C92-B435-E2C7-C1A3F3EC7269}"/>
+              </a:ext>
+            </a:extLst>
+          </p:cNvPr>
+          <p:cNvSpPr txBox="1"/>
+          <p:nvPr/>
+        </p:nvSpPr>
+        <p:spPr>
+          <a:xfrm>
+            <a:off x="740664" y="5493758"/>
+            <a:ext cx="11283696" cy="646331"/>
+          </a:xfrm>
+          <a:prstGeom prst="rect">
+            <a:avLst/>
+          </a:prstGeom>
+          <a:noFill/>
+        </p:spPr>
+        <p:txBody>
+          <a:bodyPr wrap="square">
+            <a:spAutoFit/>
+          </a:bodyPr>
+          <a:lstStyle/>
+          <a:p>
+            <a:r>
+              <a:rPr lang="en-CA" dirty="0"/>
+              <a:t>Similar to the Command pattern, this one looks to create period Save States allowing the user to undo actions.</a:t>
+            </a:r>
+          </a:p>
+        </p:txBody>
+      </p:sp>
+      <p:pic>
+        <p:nvPicPr>
+          <p:cNvPr id="4" name="Picture 3">
+            <a:extLst>
+              <a:ext uri="{FF2B5EF4-FFF2-40B4-BE49-F238E27FC236}">
+                <a16:creationId xmlns:a16="http://schemas.microsoft.com/office/drawing/2014/main" id="{3D34AACB-DF92-6874-5571-E05445444BA2}"/>
+              </a:ext>
+            </a:extLst>
+          </p:cNvPr>
+          <p:cNvPicPr>
+            <a:picLocks noChangeAspect="1"/>
+          </p:cNvPicPr>
+          <p:nvPr/>
+        </p:nvPicPr>
+        <p:blipFill>
+          <a:blip r:embed="rId2"/>
+          <a:stretch>
+            <a:fillRect/>
+          </a:stretch>
+        </p:blipFill>
+        <p:spPr>
+          <a:xfrm>
+            <a:off x="6711697" y="1138703"/>
+            <a:ext cx="2935224" cy="4013043"/>
+          </a:xfrm>
+          <a:prstGeom prst="rect">
+            <a:avLst/>
+          </a:prstGeom>
+        </p:spPr>
+      </p:pic>
+    </p:spTree>
+    <p:extLst>
+      <p:ext uri="{BB962C8B-B14F-4D97-AF65-F5344CB8AC3E}">
+        <p14:creationId xmlns:p14="http://schemas.microsoft.com/office/powerpoint/2010/main" val="136100527"/>
       </p:ext>
     </p:extLst>
   </p:cSld>

--- a/Slides/BytesAndBites - Design Patterns - Behavioural.pptx
+++ b/Slides/BytesAndBites - Design Patterns - Behavioural.pptx
@@ -5,7 +5,7 @@
     <p:sldMasterId id="2147483677" r:id="rId1"/>
   </p:sldMasterIdLst>
   <p:notesMasterIdLst>
-    <p:notesMasterId r:id="rId19"/>
+    <p:notesMasterId r:id="rId26"/>
   </p:notesMasterIdLst>
   <p:sldIdLst>
     <p:sldId id="256" r:id="rId2"/>
@@ -25,6 +25,13 @@
     <p:sldId id="270" r:id="rId16"/>
     <p:sldId id="271" r:id="rId17"/>
     <p:sldId id="272" r:id="rId18"/>
+    <p:sldId id="273" r:id="rId19"/>
+    <p:sldId id="274" r:id="rId20"/>
+    <p:sldId id="276" r:id="rId21"/>
+    <p:sldId id="277" r:id="rId22"/>
+    <p:sldId id="275" r:id="rId23"/>
+    <p:sldId id="278" r:id="rId24"/>
+    <p:sldId id="279" r:id="rId25"/>
   </p:sldIdLst>
   <p:sldSz cx="12192000" cy="6858000"/>
   <p:notesSz cx="6858000" cy="9144000"/>
@@ -213,7 +220,7 @@
           <a:p>
             <a:fld id="{49C2400C-4A53-4D4E-AF1B-D228D4E23370}" type="datetimeFigureOut">
               <a:rPr lang="en-CA" smtClean="0"/>
-              <a:t>2025-03-11</a:t>
+              <a:t>2025-03-25</a:t>
             </a:fld>
             <a:endParaRPr lang="en-CA"/>
           </a:p>
@@ -2178,7 +2185,7 @@
           <a:p>
             <a:fld id="{09E53349-BCD0-4279-9212-6A0526462131}" type="datetimeFigureOut">
               <a:rPr lang="en-CA" smtClean="0"/>
-              <a:t>2025-03-11</a:t>
+              <a:t>2025-03-25</a:t>
             </a:fld>
             <a:endParaRPr lang="en-CA"/>
           </a:p>
@@ -3637,7 +3644,7 @@
           <a:p>
             <a:fld id="{09E53349-BCD0-4279-9212-6A0526462131}" type="datetimeFigureOut">
               <a:rPr lang="en-CA" smtClean="0"/>
-              <a:t>2025-03-11</a:t>
+              <a:t>2025-03-25</a:t>
             </a:fld>
             <a:endParaRPr lang="en-CA"/>
           </a:p>
@@ -5090,7 +5097,7 @@
           <a:p>
             <a:fld id="{09E53349-BCD0-4279-9212-6A0526462131}" type="datetimeFigureOut">
               <a:rPr lang="en-CA" smtClean="0"/>
-              <a:t>2025-03-11</a:t>
+              <a:t>2025-03-25</a:t>
             </a:fld>
             <a:endParaRPr lang="en-CA"/>
           </a:p>
@@ -6545,7 +6552,7 @@
           <a:p>
             <a:fld id="{09E53349-BCD0-4279-9212-6A0526462131}" type="datetimeFigureOut">
               <a:rPr lang="en-CA" smtClean="0"/>
-              <a:t>2025-03-11</a:t>
+              <a:t>2025-03-25</a:t>
             </a:fld>
             <a:endParaRPr lang="en-CA"/>
           </a:p>
@@ -8053,7 +8060,7 @@
           <a:p>
             <a:fld id="{09E53349-BCD0-4279-9212-6A0526462131}" type="datetimeFigureOut">
               <a:rPr lang="en-CA" smtClean="0"/>
-              <a:t>2025-03-11</a:t>
+              <a:t>2025-03-25</a:t>
             </a:fld>
             <a:endParaRPr lang="en-CA"/>
           </a:p>
@@ -9574,7 +9581,7 @@
           <a:p>
             <a:fld id="{09E53349-BCD0-4279-9212-6A0526462131}" type="datetimeFigureOut">
               <a:rPr lang="en-CA" smtClean="0"/>
-              <a:t>2025-03-11</a:t>
+              <a:t>2025-03-25</a:t>
             </a:fld>
             <a:endParaRPr lang="en-CA"/>
           </a:p>
@@ -11239,7 +11246,7 @@
           <a:p>
             <a:fld id="{09E53349-BCD0-4279-9212-6A0526462131}" type="datetimeFigureOut">
               <a:rPr lang="en-CA" smtClean="0"/>
-              <a:t>2025-03-11</a:t>
+              <a:t>2025-03-25</a:t>
             </a:fld>
             <a:endParaRPr lang="en-CA"/>
           </a:p>
@@ -12637,7 +12644,7 @@
           <a:p>
             <a:fld id="{09E53349-BCD0-4279-9212-6A0526462131}" type="datetimeFigureOut">
               <a:rPr lang="en-CA" smtClean="0"/>
-              <a:t>2025-03-11</a:t>
+              <a:t>2025-03-25</a:t>
             </a:fld>
             <a:endParaRPr lang="en-CA"/>
           </a:p>
@@ -12737,7 +12744,7 @@
           <a:p>
             <a:fld id="{09E53349-BCD0-4279-9212-6A0526462131}" type="datetimeFigureOut">
               <a:rPr lang="en-CA" smtClean="0"/>
-              <a:t>2025-03-11</a:t>
+              <a:t>2025-03-25</a:t>
             </a:fld>
             <a:endParaRPr lang="en-CA"/>
           </a:p>
@@ -14263,7 +14270,7 @@
           <a:p>
             <a:fld id="{09E53349-BCD0-4279-9212-6A0526462131}" type="datetimeFigureOut">
               <a:rPr lang="en-CA" smtClean="0"/>
-              <a:t>2025-03-11</a:t>
+              <a:t>2025-03-25</a:t>
             </a:fld>
             <a:endParaRPr lang="en-CA"/>
           </a:p>
@@ -15799,7 +15806,7 @@
           <a:p>
             <a:fld id="{09E53349-BCD0-4279-9212-6A0526462131}" type="datetimeFigureOut">
               <a:rPr lang="en-CA" smtClean="0"/>
-              <a:t>2025-03-11</a:t>
+              <a:t>2025-03-25</a:t>
             </a:fld>
             <a:endParaRPr lang="en-CA"/>
           </a:p>
@@ -16022,7 +16029,7 @@
           <a:p>
             <a:fld id="{09E53349-BCD0-4279-9212-6A0526462131}" type="datetimeFigureOut">
               <a:rPr lang="en-CA" smtClean="0"/>
-              <a:t>2025-03-11</a:t>
+              <a:t>2025-03-25</a:t>
             </a:fld>
             <a:endParaRPr lang="en-CA"/>
           </a:p>
@@ -18317,6 +18324,364 @@
 </p:sld>
 </file>
 
+<file path=ppt/slides/slide18.xml><?xml version="1.0" encoding="utf-8"?>
+<p:sld xmlns:a="http://schemas.openxmlformats.org/drawingml/2006/main" xmlns:r="http://schemas.openxmlformats.org/officeDocument/2006/relationships" xmlns:p="http://schemas.openxmlformats.org/presentationml/2006/main">
+  <p:cSld>
+    <p:spTree>
+      <p:nvGrpSpPr>
+        <p:cNvPr id="1" name=""/>
+        <p:cNvGrpSpPr/>
+        <p:nvPr/>
+      </p:nvGrpSpPr>
+      <p:grpSpPr>
+        <a:xfrm>
+          <a:off x="0" y="0"/>
+          <a:ext cx="0" cy="0"/>
+          <a:chOff x="0" y="0"/>
+          <a:chExt cx="0" cy="0"/>
+        </a:xfrm>
+      </p:grpSpPr>
+      <p:sp>
+        <p:nvSpPr>
+          <p:cNvPr id="2" name="Title 1">
+            <a:extLst>
+              <a:ext uri="{FF2B5EF4-FFF2-40B4-BE49-F238E27FC236}">
+                <a16:creationId xmlns:a16="http://schemas.microsoft.com/office/drawing/2014/main" id="{C2EBCCCD-5E79-C2BF-5234-FBAB48C3059B}"/>
+              </a:ext>
+            </a:extLst>
+          </p:cNvPr>
+          <p:cNvSpPr>
+            <a:spLocks noGrp="1"/>
+          </p:cNvSpPr>
+          <p:nvPr>
+            <p:ph type="title"/>
+          </p:nvPr>
+        </p:nvSpPr>
+        <p:spPr/>
+        <p:txBody>
+          <a:bodyPr/>
+          <a:lstStyle/>
+          <a:p>
+            <a:r>
+              <a:rPr lang="en-CA" dirty="0"/>
+              <a:t>Strategy</a:t>
+            </a:r>
+          </a:p>
+        </p:txBody>
+      </p:sp>
+      <p:sp>
+        <p:nvSpPr>
+          <p:cNvPr id="3" name="Content Placeholder 2">
+            <a:extLst>
+              <a:ext uri="{FF2B5EF4-FFF2-40B4-BE49-F238E27FC236}">
+                <a16:creationId xmlns:a16="http://schemas.microsoft.com/office/drawing/2014/main" id="{5BA60BF7-3376-AE83-2BDC-A966CAFC8B73}"/>
+              </a:ext>
+            </a:extLst>
+          </p:cNvPr>
+          <p:cNvSpPr>
+            <a:spLocks noGrp="1"/>
+          </p:cNvSpPr>
+          <p:nvPr>
+            <p:ph idx="1"/>
+          </p:nvPr>
+        </p:nvSpPr>
+        <p:spPr>
+          <a:xfrm>
+            <a:off x="5118447" y="4005072"/>
+            <a:ext cx="6281873" cy="2046736"/>
+          </a:xfrm>
+        </p:spPr>
+        <p:txBody>
+          <a:bodyPr/>
+          <a:lstStyle/>
+          <a:p>
+            <a:r>
+              <a:rPr lang="en-US" b="0" i="0" dirty="0">
+                <a:solidFill>
+                  <a:srgbClr val="444444"/>
+                </a:solidFill>
+                <a:effectLst/>
+                <a:latin typeface="PT Sans" panose="020B0503020203020204" pitchFamily="34" charset="0"/>
+              </a:rPr>
+              <a:t>Take a class that does something specific in a lot of different ways and extract all of these algorithms into separate classes called </a:t>
+            </a:r>
+            <a:r>
+              <a:rPr lang="en-US" b="0" i="1" dirty="0">
+                <a:solidFill>
+                  <a:srgbClr val="444444"/>
+                </a:solidFill>
+                <a:effectLst/>
+                <a:latin typeface="PT Sans" panose="020B0503020203020204" pitchFamily="34" charset="0"/>
+              </a:rPr>
+              <a:t>strategies</a:t>
+            </a:r>
+            <a:r>
+              <a:rPr lang="en-US" b="0" i="0" dirty="0">
+                <a:solidFill>
+                  <a:srgbClr val="444444"/>
+                </a:solidFill>
+                <a:effectLst/>
+                <a:latin typeface="PT Sans" panose="020B0503020203020204" pitchFamily="34" charset="0"/>
+              </a:rPr>
+              <a:t>.</a:t>
+            </a:r>
+            <a:endParaRPr lang="en-CA" dirty="0"/>
+          </a:p>
+        </p:txBody>
+      </p:sp>
+      <p:pic>
+        <p:nvPicPr>
+          <p:cNvPr id="1028" name="Picture 4" descr="Route planning strategies">
+            <a:extLst>
+              <a:ext uri="{FF2B5EF4-FFF2-40B4-BE49-F238E27FC236}">
+                <a16:creationId xmlns:a16="http://schemas.microsoft.com/office/drawing/2014/main" id="{E107ED6E-B4BC-FF06-8D1C-CDD60E6901A3}"/>
+              </a:ext>
+            </a:extLst>
+          </p:cNvPr>
+          <p:cNvPicPr>
+            <a:picLocks noChangeAspect="1" noChangeArrowheads="1"/>
+          </p:cNvPicPr>
+          <p:nvPr/>
+        </p:nvPicPr>
+        <p:blipFill>
+          <a:blip r:embed="rId2">
+            <a:extLst>
+              <a:ext uri="{28A0092B-C50C-407E-A947-70E740481C1C}">
+                <a14:useLocalDpi xmlns:a14="http://schemas.microsoft.com/office/drawing/2010/main" val="0"/>
+              </a:ext>
+            </a:extLst>
+          </a:blip>
+          <a:srcRect/>
+          <a:stretch>
+            <a:fillRect/>
+          </a:stretch>
+        </p:blipFill>
+        <p:spPr bwMode="auto">
+          <a:xfrm>
+            <a:off x="5429631" y="1338072"/>
+            <a:ext cx="5429250" cy="2667000"/>
+          </a:xfrm>
+          <a:prstGeom prst="rect">
+            <a:avLst/>
+          </a:prstGeom>
+          <a:noFill/>
+          <a:extLst>
+            <a:ext uri="{909E8E84-426E-40DD-AFC4-6F175D3DCCD1}">
+              <a14:hiddenFill xmlns:a14="http://schemas.microsoft.com/office/drawing/2010/main">
+                <a:solidFill>
+                  <a:srgbClr val="FFFFFF"/>
+                </a:solidFill>
+              </a14:hiddenFill>
+            </a:ext>
+          </a:extLst>
+        </p:spPr>
+      </p:pic>
+      <p:sp>
+        <p:nvSpPr>
+          <p:cNvPr id="5" name="TextBox 4">
+            <a:extLst>
+              <a:ext uri="{FF2B5EF4-FFF2-40B4-BE49-F238E27FC236}">
+                <a16:creationId xmlns:a16="http://schemas.microsoft.com/office/drawing/2014/main" id="{230EF9E1-C279-8616-2FD2-3F27567764F5}"/>
+              </a:ext>
+            </a:extLst>
+          </p:cNvPr>
+          <p:cNvSpPr txBox="1"/>
+          <p:nvPr/>
+        </p:nvSpPr>
+        <p:spPr>
+          <a:xfrm>
+            <a:off x="2928366" y="6152126"/>
+            <a:ext cx="6094476" cy="369332"/>
+          </a:xfrm>
+          <a:prstGeom prst="rect">
+            <a:avLst/>
+          </a:prstGeom>
+          <a:noFill/>
+        </p:spPr>
+        <p:txBody>
+          <a:bodyPr wrap="square">
+            <a:spAutoFit/>
+          </a:bodyPr>
+          <a:lstStyle/>
+          <a:p>
+            <a:r>
+              <a:rPr lang="en-CA" dirty="0"/>
+              <a:t>https://www.youtube.com/watch?v=E9-4uaoncVY</a:t>
+            </a:r>
+          </a:p>
+        </p:txBody>
+      </p:sp>
+    </p:spTree>
+    <p:extLst>
+      <p:ext uri="{BB962C8B-B14F-4D97-AF65-F5344CB8AC3E}">
+        <p14:creationId xmlns:p14="http://schemas.microsoft.com/office/powerpoint/2010/main" val="2969811465"/>
+      </p:ext>
+    </p:extLst>
+  </p:cSld>
+  <p:clrMapOvr>
+    <a:masterClrMapping/>
+  </p:clrMapOvr>
+</p:sld>
+</file>
+
+<file path=ppt/slides/slide19.xml><?xml version="1.0" encoding="utf-8"?>
+<p:sld xmlns:a="http://schemas.openxmlformats.org/drawingml/2006/main" xmlns:r="http://schemas.openxmlformats.org/officeDocument/2006/relationships" xmlns:p="http://schemas.openxmlformats.org/presentationml/2006/main">
+  <p:cSld>
+    <p:spTree>
+      <p:nvGrpSpPr>
+        <p:cNvPr id="1" name="">
+          <a:extLst>
+            <a:ext uri="{FF2B5EF4-FFF2-40B4-BE49-F238E27FC236}">
+              <a16:creationId xmlns:a16="http://schemas.microsoft.com/office/drawing/2014/main" id="{12314C1C-DC05-214F-B2B4-613D50CE5889}"/>
+            </a:ext>
+          </a:extLst>
+        </p:cNvPr>
+        <p:cNvGrpSpPr/>
+        <p:nvPr/>
+      </p:nvGrpSpPr>
+      <p:grpSpPr>
+        <a:xfrm>
+          <a:off x="0" y="0"/>
+          <a:ext cx="0" cy="0"/>
+          <a:chOff x="0" y="0"/>
+          <a:chExt cx="0" cy="0"/>
+        </a:xfrm>
+      </p:grpSpPr>
+      <p:sp>
+        <p:nvSpPr>
+          <p:cNvPr id="2" name="Title 1">
+            <a:extLst>
+              <a:ext uri="{FF2B5EF4-FFF2-40B4-BE49-F238E27FC236}">
+                <a16:creationId xmlns:a16="http://schemas.microsoft.com/office/drawing/2014/main" id="{58EEC2A5-9096-864F-E5BE-14024F683A2A}"/>
+              </a:ext>
+            </a:extLst>
+          </p:cNvPr>
+          <p:cNvSpPr>
+            <a:spLocks noGrp="1"/>
+          </p:cNvSpPr>
+          <p:nvPr>
+            <p:ph type="title"/>
+          </p:nvPr>
+        </p:nvSpPr>
+        <p:spPr/>
+        <p:txBody>
+          <a:bodyPr/>
+          <a:lstStyle/>
+          <a:p>
+            <a:r>
+              <a:rPr lang="en-CA" dirty="0"/>
+              <a:t>Template Method</a:t>
+            </a:r>
+          </a:p>
+        </p:txBody>
+      </p:sp>
+      <p:sp>
+        <p:nvSpPr>
+          <p:cNvPr id="6" name="TextBox 5">
+            <a:extLst>
+              <a:ext uri="{FF2B5EF4-FFF2-40B4-BE49-F238E27FC236}">
+                <a16:creationId xmlns:a16="http://schemas.microsoft.com/office/drawing/2014/main" id="{13A1662A-E67C-5E6B-9C27-81F8717CD20F}"/>
+              </a:ext>
+            </a:extLst>
+          </p:cNvPr>
+          <p:cNvSpPr txBox="1"/>
+          <p:nvPr/>
+        </p:nvSpPr>
+        <p:spPr>
+          <a:xfrm>
+            <a:off x="5212080" y="1609344"/>
+            <a:ext cx="4619534" cy="923330"/>
+          </a:xfrm>
+          <a:prstGeom prst="rect">
+            <a:avLst/>
+          </a:prstGeom>
+          <a:noFill/>
+        </p:spPr>
+        <p:txBody>
+          <a:bodyPr wrap="none" rtlCol="0">
+            <a:spAutoFit/>
+          </a:bodyPr>
+          <a:lstStyle/>
+          <a:p>
+            <a:r>
+              <a:rPr lang="en-CA" dirty="0"/>
+              <a:t>Concept: </a:t>
+            </a:r>
+          </a:p>
+          <a:p>
+            <a:r>
+              <a:rPr lang="en-CA" dirty="0"/>
+              <a:t>- Create a skeleton superclass </a:t>
+            </a:r>
+          </a:p>
+          <a:p>
+            <a:r>
+              <a:rPr lang="en-CA" dirty="0"/>
+              <a:t>- Allow Subclasses override specific steps</a:t>
+            </a:r>
+          </a:p>
+        </p:txBody>
+      </p:sp>
+      <p:pic>
+        <p:nvPicPr>
+          <p:cNvPr id="2050" name="Picture 2" descr="Data mining classes contained a lot of duplicate code">
+            <a:extLst>
+              <a:ext uri="{FF2B5EF4-FFF2-40B4-BE49-F238E27FC236}">
+                <a16:creationId xmlns:a16="http://schemas.microsoft.com/office/drawing/2014/main" id="{0CEE4959-5470-D11F-B7E2-FEBE897F01A7}"/>
+              </a:ext>
+            </a:extLst>
+          </p:cNvPr>
+          <p:cNvPicPr>
+            <a:picLocks noChangeAspect="1" noChangeArrowheads="1"/>
+          </p:cNvPicPr>
+          <p:nvPr/>
+        </p:nvPicPr>
+        <p:blipFill>
+          <a:blip r:embed="rId2">
+            <a:extLst>
+              <a:ext uri="{28A0092B-C50C-407E-A947-70E740481C1C}">
+                <a14:useLocalDpi xmlns:a14="http://schemas.microsoft.com/office/drawing/2010/main" val="0"/>
+              </a:ext>
+            </a:extLst>
+          </a:blip>
+          <a:srcRect/>
+          <a:stretch>
+            <a:fillRect/>
+          </a:stretch>
+        </p:blipFill>
+        <p:spPr bwMode="auto">
+          <a:xfrm>
+            <a:off x="5100066" y="2865881"/>
+            <a:ext cx="5424678" cy="4024761"/>
+          </a:xfrm>
+          <a:prstGeom prst="rect">
+            <a:avLst/>
+          </a:prstGeom>
+          <a:noFill/>
+          <a:extLst>
+            <a:ext uri="{909E8E84-426E-40DD-AFC4-6F175D3DCCD1}">
+              <a14:hiddenFill xmlns:a14="http://schemas.microsoft.com/office/drawing/2010/main">
+                <a:solidFill>
+                  <a:srgbClr val="FFFFFF"/>
+                </a:solidFill>
+              </a14:hiddenFill>
+            </a:ext>
+          </a:extLst>
+        </p:spPr>
+      </p:pic>
+    </p:spTree>
+    <p:extLst>
+      <p:ext uri="{BB962C8B-B14F-4D97-AF65-F5344CB8AC3E}">
+        <p14:creationId xmlns:p14="http://schemas.microsoft.com/office/powerpoint/2010/main" val="266008006"/>
+      </p:ext>
+    </p:extLst>
+  </p:cSld>
+  <p:clrMapOvr>
+    <a:masterClrMapping/>
+  </p:clrMapOvr>
+</p:sld>
+</file>
+
 <file path=ppt/slides/slide2.xml><?xml version="1.0" encoding="utf-8"?>
 <p:sld xmlns:a="http://schemas.openxmlformats.org/drawingml/2006/main" xmlns:r="http://schemas.openxmlformats.org/officeDocument/2006/relationships" xmlns:p="http://schemas.openxmlformats.org/presentationml/2006/main">
   <p:cSld>
@@ -18493,6 +18858,2156 @@
     <p:extLst>
       <p:ext uri="{BB962C8B-B14F-4D97-AF65-F5344CB8AC3E}">
         <p14:creationId xmlns:p14="http://schemas.microsoft.com/office/powerpoint/2010/main" val="116428512"/>
+      </p:ext>
+    </p:extLst>
+  </p:cSld>
+  <p:clrMapOvr>
+    <a:masterClrMapping/>
+  </p:clrMapOvr>
+</p:sld>
+</file>
+
+<file path=ppt/slides/slide20.xml><?xml version="1.0" encoding="utf-8"?>
+<p:sld xmlns:a="http://schemas.openxmlformats.org/drawingml/2006/main" xmlns:r="http://schemas.openxmlformats.org/officeDocument/2006/relationships" xmlns:p="http://schemas.openxmlformats.org/presentationml/2006/main">
+  <p:cSld>
+    <p:spTree>
+      <p:nvGrpSpPr>
+        <p:cNvPr id="1" name=""/>
+        <p:cNvGrpSpPr/>
+        <p:nvPr/>
+      </p:nvGrpSpPr>
+      <p:grpSpPr>
+        <a:xfrm>
+          <a:off x="0" y="0"/>
+          <a:ext cx="0" cy="0"/>
+          <a:chOff x="0" y="0"/>
+          <a:chExt cx="0" cy="0"/>
+        </a:xfrm>
+      </p:grpSpPr>
+      <p:sp>
+        <p:nvSpPr>
+          <p:cNvPr id="4" name="Rectangle 3">
+            <a:extLst>
+              <a:ext uri="{FF2B5EF4-FFF2-40B4-BE49-F238E27FC236}">
+                <a16:creationId xmlns:a16="http://schemas.microsoft.com/office/drawing/2014/main" id="{971CA644-F90D-543E-C834-F6F4339DFB21}"/>
+              </a:ext>
+            </a:extLst>
+          </p:cNvPr>
+          <p:cNvSpPr/>
+          <p:nvPr/>
+        </p:nvSpPr>
+        <p:spPr>
+          <a:xfrm>
+            <a:off x="905256" y="1444752"/>
+            <a:ext cx="3419856" cy="713232"/>
+          </a:xfrm>
+          <a:prstGeom prst="rect">
+            <a:avLst/>
+          </a:prstGeom>
+          <a:noFill/>
+        </p:spPr>
+        <p:style>
+          <a:lnRef idx="2">
+            <a:schemeClr val="accent1">
+              <a:shade val="15000"/>
+            </a:schemeClr>
+          </a:lnRef>
+          <a:fillRef idx="1">
+            <a:schemeClr val="accent1"/>
+          </a:fillRef>
+          <a:effectRef idx="0">
+            <a:schemeClr val="accent1"/>
+          </a:effectRef>
+          <a:fontRef idx="minor">
+            <a:schemeClr val="lt1"/>
+          </a:fontRef>
+        </p:style>
+        <p:txBody>
+          <a:bodyPr rtlCol="0" anchor="ctr"/>
+          <a:lstStyle/>
+          <a:p>
+            <a:pPr algn="ctr"/>
+            <a:r>
+              <a:rPr lang="en-CA" dirty="0">
+                <a:solidFill>
+                  <a:schemeClr val="tx1"/>
+                </a:solidFill>
+              </a:rPr>
+              <a:t>&lt;&lt;abstract class&gt;&gt;</a:t>
+            </a:r>
+          </a:p>
+          <a:p>
+            <a:pPr algn="ctr"/>
+            <a:r>
+              <a:rPr lang="en-CA" dirty="0">
+                <a:solidFill>
+                  <a:schemeClr val="tx1"/>
+                </a:solidFill>
+              </a:rPr>
+              <a:t>Yoshi</a:t>
+            </a:r>
+          </a:p>
+        </p:txBody>
+      </p:sp>
+      <p:sp>
+        <p:nvSpPr>
+          <p:cNvPr id="5" name="Rectangle 4">
+            <a:extLst>
+              <a:ext uri="{FF2B5EF4-FFF2-40B4-BE49-F238E27FC236}">
+                <a16:creationId xmlns:a16="http://schemas.microsoft.com/office/drawing/2014/main" id="{8C4B90E2-4113-B238-0975-90A949F6334E}"/>
+              </a:ext>
+            </a:extLst>
+          </p:cNvPr>
+          <p:cNvSpPr/>
+          <p:nvPr/>
+        </p:nvSpPr>
+        <p:spPr>
+          <a:xfrm>
+            <a:off x="905256" y="2157984"/>
+            <a:ext cx="3419856" cy="1517904"/>
+          </a:xfrm>
+          <a:prstGeom prst="rect">
+            <a:avLst/>
+          </a:prstGeom>
+          <a:noFill/>
+        </p:spPr>
+        <p:style>
+          <a:lnRef idx="2">
+            <a:schemeClr val="accent1">
+              <a:shade val="15000"/>
+            </a:schemeClr>
+          </a:lnRef>
+          <a:fillRef idx="1">
+            <a:schemeClr val="accent1"/>
+          </a:fillRef>
+          <a:effectRef idx="0">
+            <a:schemeClr val="accent1"/>
+          </a:effectRef>
+          <a:fontRef idx="minor">
+            <a:schemeClr val="lt1"/>
+          </a:fontRef>
+        </p:style>
+        <p:txBody>
+          <a:bodyPr rtlCol="0" anchor="ctr"/>
+          <a:lstStyle/>
+          <a:p>
+            <a:r>
+              <a:rPr lang="en-CA" dirty="0">
+                <a:solidFill>
+                  <a:schemeClr val="tx1"/>
+                </a:solidFill>
+              </a:rPr>
+              <a:t>  +  Jump()</a:t>
+            </a:r>
+          </a:p>
+          <a:p>
+            <a:r>
+              <a:rPr lang="en-CA" dirty="0">
+                <a:solidFill>
+                  <a:schemeClr val="tx1"/>
+                </a:solidFill>
+              </a:rPr>
+              <a:t>  +  Move()</a:t>
+            </a:r>
+          </a:p>
+          <a:p>
+            <a:r>
+              <a:rPr lang="en-CA" dirty="0">
+                <a:solidFill>
+                  <a:schemeClr val="tx1"/>
+                </a:solidFill>
+              </a:rPr>
+              <a:t>  +  Eat()</a:t>
+            </a:r>
+          </a:p>
+          <a:p>
+            <a:r>
+              <a:rPr lang="en-CA" dirty="0">
+                <a:solidFill>
+                  <a:schemeClr val="tx1"/>
+                </a:solidFill>
+              </a:rPr>
+              <a:t>  #  </a:t>
+            </a:r>
+            <a:r>
+              <a:rPr lang="en-CA" dirty="0" err="1">
+                <a:solidFill>
+                  <a:schemeClr val="tx1"/>
+                </a:solidFill>
+              </a:rPr>
+              <a:t>SpecialAttack</a:t>
+            </a:r>
+            <a:r>
+              <a:rPr lang="en-CA" dirty="0">
+                <a:solidFill>
+                  <a:schemeClr val="tx1"/>
+                </a:solidFill>
+              </a:rPr>
+              <a:t>()</a:t>
+            </a:r>
+          </a:p>
+          <a:p>
+            <a:pPr algn="ctr"/>
+            <a:endParaRPr lang="en-CA" dirty="0">
+              <a:solidFill>
+                <a:schemeClr val="tx1"/>
+              </a:solidFill>
+            </a:endParaRPr>
+          </a:p>
+        </p:txBody>
+      </p:sp>
+      <p:pic>
+        <p:nvPicPr>
+          <p:cNvPr id="3074" name="Picture 2" descr="How to Draw Yoshi - Easy Drawing Art">
+            <a:extLst>
+              <a:ext uri="{FF2B5EF4-FFF2-40B4-BE49-F238E27FC236}">
+                <a16:creationId xmlns:a16="http://schemas.microsoft.com/office/drawing/2014/main" id="{20BAB751-3275-7151-7CE0-F6A78A76869A}"/>
+              </a:ext>
+            </a:extLst>
+          </p:cNvPr>
+          <p:cNvPicPr>
+            <a:picLocks noChangeAspect="1" noChangeArrowheads="1"/>
+          </p:cNvPicPr>
+          <p:nvPr/>
+        </p:nvPicPr>
+        <p:blipFill>
+          <a:blip r:embed="rId2">
+            <a:extLst>
+              <a:ext uri="{28A0092B-C50C-407E-A947-70E740481C1C}">
+                <a14:useLocalDpi xmlns:a14="http://schemas.microsoft.com/office/drawing/2010/main" val="0"/>
+              </a:ext>
+            </a:extLst>
+          </a:blip>
+          <a:srcRect/>
+          <a:stretch>
+            <a:fillRect/>
+          </a:stretch>
+        </p:blipFill>
+        <p:spPr bwMode="auto">
+          <a:xfrm>
+            <a:off x="5024437" y="1444752"/>
+            <a:ext cx="2143125" cy="2143125"/>
+          </a:xfrm>
+          <a:prstGeom prst="rect">
+            <a:avLst/>
+          </a:prstGeom>
+          <a:noFill/>
+          <a:extLst>
+            <a:ext uri="{909E8E84-426E-40DD-AFC4-6F175D3DCCD1}">
+              <a14:hiddenFill xmlns:a14="http://schemas.microsoft.com/office/drawing/2010/main">
+                <a:solidFill>
+                  <a:srgbClr val="FFFFFF"/>
+                </a:solidFill>
+              </a14:hiddenFill>
+            </a:ext>
+          </a:extLst>
+        </p:spPr>
+      </p:pic>
+    </p:spTree>
+    <p:extLst>
+      <p:ext uri="{BB962C8B-B14F-4D97-AF65-F5344CB8AC3E}">
+        <p14:creationId xmlns:p14="http://schemas.microsoft.com/office/powerpoint/2010/main" val="3218984289"/>
+      </p:ext>
+    </p:extLst>
+  </p:cSld>
+  <p:clrMapOvr>
+    <a:masterClrMapping/>
+  </p:clrMapOvr>
+</p:sld>
+</file>
+
+<file path=ppt/slides/slide21.xml><?xml version="1.0" encoding="utf-8"?>
+<p:sld xmlns:a="http://schemas.openxmlformats.org/drawingml/2006/main" xmlns:r="http://schemas.openxmlformats.org/officeDocument/2006/relationships" xmlns:p="http://schemas.openxmlformats.org/presentationml/2006/main">
+  <p:cSld>
+    <p:spTree>
+      <p:nvGrpSpPr>
+        <p:cNvPr id="1" name="">
+          <a:extLst>
+            <a:ext uri="{FF2B5EF4-FFF2-40B4-BE49-F238E27FC236}">
+              <a16:creationId xmlns:a16="http://schemas.microsoft.com/office/drawing/2014/main" id="{8FBBEBAD-BDF6-BEF3-A956-51C26A0B5502}"/>
+            </a:ext>
+          </a:extLst>
+        </p:cNvPr>
+        <p:cNvGrpSpPr/>
+        <p:nvPr/>
+      </p:nvGrpSpPr>
+      <p:grpSpPr>
+        <a:xfrm>
+          <a:off x="0" y="0"/>
+          <a:ext cx="0" cy="0"/>
+          <a:chOff x="0" y="0"/>
+          <a:chExt cx="0" cy="0"/>
+        </a:xfrm>
+      </p:grpSpPr>
+      <p:sp>
+        <p:nvSpPr>
+          <p:cNvPr id="4" name="Rectangle 3">
+            <a:extLst>
+              <a:ext uri="{FF2B5EF4-FFF2-40B4-BE49-F238E27FC236}">
+                <a16:creationId xmlns:a16="http://schemas.microsoft.com/office/drawing/2014/main" id="{558B361B-AB0C-4D51-1B6F-3DCC94F0BD57}"/>
+              </a:ext>
+            </a:extLst>
+          </p:cNvPr>
+          <p:cNvSpPr/>
+          <p:nvPr/>
+        </p:nvSpPr>
+        <p:spPr>
+          <a:xfrm>
+            <a:off x="475488" y="448056"/>
+            <a:ext cx="3419856" cy="713232"/>
+          </a:xfrm>
+          <a:prstGeom prst="rect">
+            <a:avLst/>
+          </a:prstGeom>
+          <a:noFill/>
+        </p:spPr>
+        <p:style>
+          <a:lnRef idx="2">
+            <a:schemeClr val="accent1">
+              <a:shade val="15000"/>
+            </a:schemeClr>
+          </a:lnRef>
+          <a:fillRef idx="1">
+            <a:schemeClr val="accent1"/>
+          </a:fillRef>
+          <a:effectRef idx="0">
+            <a:schemeClr val="accent1"/>
+          </a:effectRef>
+          <a:fontRef idx="minor">
+            <a:schemeClr val="lt1"/>
+          </a:fontRef>
+        </p:style>
+        <p:txBody>
+          <a:bodyPr rtlCol="0" anchor="ctr"/>
+          <a:lstStyle/>
+          <a:p>
+            <a:pPr algn="ctr"/>
+            <a:r>
+              <a:rPr lang="en-CA" dirty="0">
+                <a:solidFill>
+                  <a:schemeClr val="tx1"/>
+                </a:solidFill>
+              </a:rPr>
+              <a:t>&lt;&lt;abstract class&gt;&gt;</a:t>
+            </a:r>
+          </a:p>
+          <a:p>
+            <a:pPr algn="ctr"/>
+            <a:r>
+              <a:rPr lang="en-CA" dirty="0">
+                <a:solidFill>
+                  <a:schemeClr val="tx1"/>
+                </a:solidFill>
+              </a:rPr>
+              <a:t>Yoshi</a:t>
+            </a:r>
+          </a:p>
+        </p:txBody>
+      </p:sp>
+      <p:sp>
+        <p:nvSpPr>
+          <p:cNvPr id="5" name="Rectangle 4">
+            <a:extLst>
+              <a:ext uri="{FF2B5EF4-FFF2-40B4-BE49-F238E27FC236}">
+                <a16:creationId xmlns:a16="http://schemas.microsoft.com/office/drawing/2014/main" id="{3C20466B-1DC5-4306-D489-B30EA1DBCB02}"/>
+              </a:ext>
+            </a:extLst>
+          </p:cNvPr>
+          <p:cNvSpPr/>
+          <p:nvPr/>
+        </p:nvSpPr>
+        <p:spPr>
+          <a:xfrm>
+            <a:off x="475488" y="1161288"/>
+            <a:ext cx="3419856" cy="1517904"/>
+          </a:xfrm>
+          <a:prstGeom prst="rect">
+            <a:avLst/>
+          </a:prstGeom>
+          <a:noFill/>
+        </p:spPr>
+        <p:style>
+          <a:lnRef idx="2">
+            <a:schemeClr val="accent1">
+              <a:shade val="15000"/>
+            </a:schemeClr>
+          </a:lnRef>
+          <a:fillRef idx="1">
+            <a:schemeClr val="accent1"/>
+          </a:fillRef>
+          <a:effectRef idx="0">
+            <a:schemeClr val="accent1"/>
+          </a:effectRef>
+          <a:fontRef idx="minor">
+            <a:schemeClr val="lt1"/>
+          </a:fontRef>
+        </p:style>
+        <p:txBody>
+          <a:bodyPr rtlCol="0" anchor="ctr"/>
+          <a:lstStyle/>
+          <a:p>
+            <a:r>
+              <a:rPr lang="en-CA" dirty="0">
+                <a:solidFill>
+                  <a:schemeClr val="tx1"/>
+                </a:solidFill>
+              </a:rPr>
+              <a:t>  +  Jump()</a:t>
+            </a:r>
+          </a:p>
+          <a:p>
+            <a:r>
+              <a:rPr lang="en-CA" dirty="0">
+                <a:solidFill>
+                  <a:schemeClr val="tx1"/>
+                </a:solidFill>
+              </a:rPr>
+              <a:t>  +  Move()</a:t>
+            </a:r>
+          </a:p>
+          <a:p>
+            <a:r>
+              <a:rPr lang="en-CA" dirty="0">
+                <a:solidFill>
+                  <a:schemeClr val="tx1"/>
+                </a:solidFill>
+              </a:rPr>
+              <a:t>  +  Eat()</a:t>
+            </a:r>
+          </a:p>
+          <a:p>
+            <a:r>
+              <a:rPr lang="en-CA" dirty="0">
+                <a:solidFill>
+                  <a:schemeClr val="tx1"/>
+                </a:solidFill>
+              </a:rPr>
+              <a:t>  #  </a:t>
+            </a:r>
+            <a:r>
+              <a:rPr lang="en-CA" dirty="0" err="1">
+                <a:solidFill>
+                  <a:schemeClr val="tx1"/>
+                </a:solidFill>
+              </a:rPr>
+              <a:t>SpecialAttack</a:t>
+            </a:r>
+            <a:r>
+              <a:rPr lang="en-CA" dirty="0">
+                <a:solidFill>
+                  <a:schemeClr val="tx1"/>
+                </a:solidFill>
+              </a:rPr>
+              <a:t>()</a:t>
+            </a:r>
+          </a:p>
+          <a:p>
+            <a:pPr algn="ctr"/>
+            <a:endParaRPr lang="en-CA" dirty="0">
+              <a:solidFill>
+                <a:schemeClr val="tx1"/>
+              </a:solidFill>
+            </a:endParaRPr>
+          </a:p>
+        </p:txBody>
+      </p:sp>
+      <p:pic>
+        <p:nvPicPr>
+          <p:cNvPr id="3074" name="Picture 2" descr="How to Draw Yoshi - Easy Drawing Art">
+            <a:extLst>
+              <a:ext uri="{FF2B5EF4-FFF2-40B4-BE49-F238E27FC236}">
+                <a16:creationId xmlns:a16="http://schemas.microsoft.com/office/drawing/2014/main" id="{0D48AB7B-8E4D-7CA5-F417-FB7895751500}"/>
+              </a:ext>
+            </a:extLst>
+          </p:cNvPr>
+          <p:cNvPicPr>
+            <a:picLocks noChangeAspect="1" noChangeArrowheads="1"/>
+          </p:cNvPicPr>
+          <p:nvPr/>
+        </p:nvPicPr>
+        <p:blipFill>
+          <a:blip r:embed="rId2">
+            <a:extLst>
+              <a:ext uri="{28A0092B-C50C-407E-A947-70E740481C1C}">
+                <a14:useLocalDpi xmlns:a14="http://schemas.microsoft.com/office/drawing/2010/main" val="0"/>
+              </a:ext>
+            </a:extLst>
+          </a:blip>
+          <a:srcRect/>
+          <a:stretch>
+            <a:fillRect/>
+          </a:stretch>
+        </p:blipFill>
+        <p:spPr bwMode="auto">
+          <a:xfrm>
+            <a:off x="4594669" y="448056"/>
+            <a:ext cx="2143125" cy="2143125"/>
+          </a:xfrm>
+          <a:prstGeom prst="rect">
+            <a:avLst/>
+          </a:prstGeom>
+          <a:noFill/>
+          <a:extLst>
+            <a:ext uri="{909E8E84-426E-40DD-AFC4-6F175D3DCCD1}">
+              <a14:hiddenFill xmlns:a14="http://schemas.microsoft.com/office/drawing/2010/main">
+                <a:solidFill>
+                  <a:srgbClr val="FFFFFF"/>
+                </a:solidFill>
+              </a14:hiddenFill>
+            </a:ext>
+          </a:extLst>
+        </p:spPr>
+      </p:pic>
+      <p:sp>
+        <p:nvSpPr>
+          <p:cNvPr id="2" name="Rectangle 1">
+            <a:extLst>
+              <a:ext uri="{FF2B5EF4-FFF2-40B4-BE49-F238E27FC236}">
+                <a16:creationId xmlns:a16="http://schemas.microsoft.com/office/drawing/2014/main" id="{CF1EF80F-DF3D-764B-0F6A-C3F5F4B5B986}"/>
+              </a:ext>
+            </a:extLst>
+          </p:cNvPr>
+          <p:cNvSpPr/>
+          <p:nvPr/>
+        </p:nvSpPr>
+        <p:spPr>
+          <a:xfrm>
+            <a:off x="475488" y="3325368"/>
+            <a:ext cx="3419856" cy="713232"/>
+          </a:xfrm>
+          <a:prstGeom prst="rect">
+            <a:avLst/>
+          </a:prstGeom>
+          <a:noFill/>
+        </p:spPr>
+        <p:style>
+          <a:lnRef idx="2">
+            <a:schemeClr val="accent1">
+              <a:shade val="15000"/>
+            </a:schemeClr>
+          </a:lnRef>
+          <a:fillRef idx="1">
+            <a:schemeClr val="accent1"/>
+          </a:fillRef>
+          <a:effectRef idx="0">
+            <a:schemeClr val="accent1"/>
+          </a:effectRef>
+          <a:fontRef idx="minor">
+            <a:schemeClr val="lt1"/>
+          </a:fontRef>
+        </p:style>
+        <p:txBody>
+          <a:bodyPr rtlCol="0" anchor="ctr"/>
+          <a:lstStyle/>
+          <a:p>
+            <a:pPr algn="ctr"/>
+            <a:r>
+              <a:rPr lang="en-CA" dirty="0">
+                <a:solidFill>
+                  <a:schemeClr val="tx1"/>
+                </a:solidFill>
+              </a:rPr>
+              <a:t>&lt;&lt;concrete class&gt;&gt;</a:t>
+            </a:r>
+          </a:p>
+          <a:p>
+            <a:pPr algn="ctr"/>
+            <a:r>
+              <a:rPr lang="en-CA" dirty="0">
+                <a:solidFill>
+                  <a:schemeClr val="tx1"/>
+                </a:solidFill>
+              </a:rPr>
+              <a:t>Red Yoshi</a:t>
+            </a:r>
+          </a:p>
+        </p:txBody>
+      </p:sp>
+      <p:sp>
+        <p:nvSpPr>
+          <p:cNvPr id="3" name="Rectangle 2">
+            <a:extLst>
+              <a:ext uri="{FF2B5EF4-FFF2-40B4-BE49-F238E27FC236}">
+                <a16:creationId xmlns:a16="http://schemas.microsoft.com/office/drawing/2014/main" id="{A0AF6C62-F308-80D3-1416-0ACB32EE2A98}"/>
+              </a:ext>
+            </a:extLst>
+          </p:cNvPr>
+          <p:cNvSpPr/>
+          <p:nvPr/>
+        </p:nvSpPr>
+        <p:spPr>
+          <a:xfrm>
+            <a:off x="475488" y="4038600"/>
+            <a:ext cx="3419856" cy="1517904"/>
+          </a:xfrm>
+          <a:prstGeom prst="rect">
+            <a:avLst/>
+          </a:prstGeom>
+          <a:noFill/>
+        </p:spPr>
+        <p:style>
+          <a:lnRef idx="2">
+            <a:schemeClr val="accent1">
+              <a:shade val="15000"/>
+            </a:schemeClr>
+          </a:lnRef>
+          <a:fillRef idx="1">
+            <a:schemeClr val="accent1"/>
+          </a:fillRef>
+          <a:effectRef idx="0">
+            <a:schemeClr val="accent1"/>
+          </a:effectRef>
+          <a:fontRef idx="minor">
+            <a:schemeClr val="lt1"/>
+          </a:fontRef>
+        </p:style>
+        <p:txBody>
+          <a:bodyPr rtlCol="0" anchor="ctr"/>
+          <a:lstStyle/>
+          <a:p>
+            <a:r>
+              <a:rPr lang="en-CA" dirty="0">
+                <a:solidFill>
+                  <a:schemeClr val="tx1"/>
+                </a:solidFill>
+              </a:rPr>
+              <a:t>+  </a:t>
+            </a:r>
+            <a:r>
+              <a:rPr lang="en-CA" dirty="0" err="1">
+                <a:solidFill>
+                  <a:schemeClr val="tx1"/>
+                </a:solidFill>
+              </a:rPr>
+              <a:t>SpecialAttack</a:t>
+            </a:r>
+            <a:r>
+              <a:rPr lang="en-CA" dirty="0">
+                <a:solidFill>
+                  <a:schemeClr val="tx1"/>
+                </a:solidFill>
+              </a:rPr>
+              <a:t>()</a:t>
+            </a:r>
+          </a:p>
+          <a:p>
+            <a:pPr algn="ctr"/>
+            <a:endParaRPr lang="en-CA" dirty="0">
+              <a:solidFill>
+                <a:schemeClr val="tx1"/>
+              </a:solidFill>
+            </a:endParaRPr>
+          </a:p>
+        </p:txBody>
+      </p:sp>
+      <p:pic>
+        <p:nvPicPr>
+          <p:cNvPr id="4102" name="Picture 6" descr="SMBX Red Yoshi by KoopshiKingGeoshi on ...">
+            <a:extLst>
+              <a:ext uri="{FF2B5EF4-FFF2-40B4-BE49-F238E27FC236}">
+                <a16:creationId xmlns:a16="http://schemas.microsoft.com/office/drawing/2014/main" id="{1A1026A7-46D3-422B-36CE-C4CAD384B794}"/>
+              </a:ext>
+            </a:extLst>
+          </p:cNvPr>
+          <p:cNvPicPr>
+            <a:picLocks noChangeAspect="1" noChangeArrowheads="1"/>
+          </p:cNvPicPr>
+          <p:nvPr/>
+        </p:nvPicPr>
+        <p:blipFill>
+          <a:blip r:embed="rId3">
+            <a:extLst>
+              <a:ext uri="{28A0092B-C50C-407E-A947-70E740481C1C}">
+                <a14:useLocalDpi xmlns:a14="http://schemas.microsoft.com/office/drawing/2010/main" val="0"/>
+              </a:ext>
+            </a:extLst>
+          </a:blip>
+          <a:srcRect/>
+          <a:stretch>
+            <a:fillRect/>
+          </a:stretch>
+        </p:blipFill>
+        <p:spPr bwMode="auto">
+          <a:xfrm>
+            <a:off x="4447031" y="3578924"/>
+            <a:ext cx="2438400" cy="1876425"/>
+          </a:xfrm>
+          <a:prstGeom prst="rect">
+            <a:avLst/>
+          </a:prstGeom>
+          <a:noFill/>
+          <a:extLst>
+            <a:ext uri="{909E8E84-426E-40DD-AFC4-6F175D3DCCD1}">
+              <a14:hiddenFill xmlns:a14="http://schemas.microsoft.com/office/drawing/2010/main">
+                <a:solidFill>
+                  <a:srgbClr val="FFFFFF"/>
+                </a:solidFill>
+              </a14:hiddenFill>
+            </a:ext>
+          </a:extLst>
+        </p:spPr>
+      </p:pic>
+      <p:cxnSp>
+        <p:nvCxnSpPr>
+          <p:cNvPr id="9" name="Straight Arrow Connector 8">
+            <a:extLst>
+              <a:ext uri="{FF2B5EF4-FFF2-40B4-BE49-F238E27FC236}">
+                <a16:creationId xmlns:a16="http://schemas.microsoft.com/office/drawing/2014/main" id="{ADD8F16B-2E66-DC5F-0931-AB10D0FCB978}"/>
+              </a:ext>
+            </a:extLst>
+          </p:cNvPr>
+          <p:cNvCxnSpPr>
+            <a:stCxn id="2" idx="0"/>
+          </p:cNvCxnSpPr>
+          <p:nvPr/>
+        </p:nvCxnSpPr>
+        <p:spPr>
+          <a:xfrm flipV="1">
+            <a:off x="2185416" y="2819400"/>
+            <a:ext cx="0" cy="505968"/>
+          </a:xfrm>
+          <a:prstGeom prst="straightConnector1">
+            <a:avLst/>
+          </a:prstGeom>
+          <a:ln>
+            <a:tailEnd type="triangle"/>
+          </a:ln>
+        </p:spPr>
+        <p:style>
+          <a:lnRef idx="1">
+            <a:schemeClr val="accent1"/>
+          </a:lnRef>
+          <a:fillRef idx="0">
+            <a:schemeClr val="accent1"/>
+          </a:fillRef>
+          <a:effectRef idx="0">
+            <a:schemeClr val="accent1"/>
+          </a:effectRef>
+          <a:fontRef idx="minor">
+            <a:schemeClr val="tx1"/>
+          </a:fontRef>
+        </p:style>
+      </p:cxnSp>
+      <p:pic>
+        <p:nvPicPr>
+          <p:cNvPr id="4104" name="Picture 8" descr="Bubble Baby Yoshi | Yoshi Wiki | Fandom">
+            <a:extLst>
+              <a:ext uri="{FF2B5EF4-FFF2-40B4-BE49-F238E27FC236}">
+                <a16:creationId xmlns:a16="http://schemas.microsoft.com/office/drawing/2014/main" id="{D926D928-81DA-D9C0-B08C-982B67240E7D}"/>
+              </a:ext>
+            </a:extLst>
+          </p:cNvPr>
+          <p:cNvPicPr>
+            <a:picLocks noChangeAspect="1" noChangeArrowheads="1"/>
+          </p:cNvPicPr>
+          <p:nvPr/>
+        </p:nvPicPr>
+        <p:blipFill>
+          <a:blip r:embed="rId4">
+            <a:extLst>
+              <a:ext uri="{28A0092B-C50C-407E-A947-70E740481C1C}">
+                <a14:useLocalDpi xmlns:a14="http://schemas.microsoft.com/office/drawing/2010/main" val="0"/>
+              </a:ext>
+            </a:extLst>
+          </a:blip>
+          <a:srcRect/>
+          <a:stretch>
+            <a:fillRect/>
+          </a:stretch>
+        </p:blipFill>
+        <p:spPr bwMode="auto">
+          <a:xfrm>
+            <a:off x="8793480" y="1419225"/>
+            <a:ext cx="2286000" cy="1400175"/>
+          </a:xfrm>
+          <a:prstGeom prst="rect">
+            <a:avLst/>
+          </a:prstGeom>
+          <a:noFill/>
+          <a:extLst>
+            <a:ext uri="{909E8E84-426E-40DD-AFC4-6F175D3DCCD1}">
+              <a14:hiddenFill xmlns:a14="http://schemas.microsoft.com/office/drawing/2010/main">
+                <a:solidFill>
+                  <a:srgbClr val="FFFFFF"/>
+                </a:solidFill>
+              </a14:hiddenFill>
+            </a:ext>
+          </a:extLst>
+        </p:spPr>
+      </p:pic>
+      <p:sp>
+        <p:nvSpPr>
+          <p:cNvPr id="10" name="Rectangle 9">
+            <a:extLst>
+              <a:ext uri="{FF2B5EF4-FFF2-40B4-BE49-F238E27FC236}">
+                <a16:creationId xmlns:a16="http://schemas.microsoft.com/office/drawing/2014/main" id="{7F59E8BC-ABBB-3666-B948-16315586CAB2}"/>
+              </a:ext>
+            </a:extLst>
+          </p:cNvPr>
+          <p:cNvSpPr/>
+          <p:nvPr/>
+        </p:nvSpPr>
+        <p:spPr>
+          <a:xfrm>
+            <a:off x="8296658" y="3325368"/>
+            <a:ext cx="3419856" cy="713232"/>
+          </a:xfrm>
+          <a:prstGeom prst="rect">
+            <a:avLst/>
+          </a:prstGeom>
+          <a:noFill/>
+        </p:spPr>
+        <p:style>
+          <a:lnRef idx="2">
+            <a:schemeClr val="accent1">
+              <a:shade val="15000"/>
+            </a:schemeClr>
+          </a:lnRef>
+          <a:fillRef idx="1">
+            <a:schemeClr val="accent1"/>
+          </a:fillRef>
+          <a:effectRef idx="0">
+            <a:schemeClr val="accent1"/>
+          </a:effectRef>
+          <a:fontRef idx="minor">
+            <a:schemeClr val="lt1"/>
+          </a:fontRef>
+        </p:style>
+        <p:txBody>
+          <a:bodyPr rtlCol="0" anchor="ctr"/>
+          <a:lstStyle/>
+          <a:p>
+            <a:pPr algn="ctr"/>
+            <a:r>
+              <a:rPr lang="en-CA" dirty="0">
+                <a:solidFill>
+                  <a:schemeClr val="tx1"/>
+                </a:solidFill>
+              </a:rPr>
+              <a:t>&lt;&lt;concrete class&gt;&gt;</a:t>
+            </a:r>
+          </a:p>
+          <a:p>
+            <a:pPr algn="ctr"/>
+            <a:r>
+              <a:rPr lang="en-CA" dirty="0">
+                <a:solidFill>
+                  <a:schemeClr val="tx1"/>
+                </a:solidFill>
+              </a:rPr>
+              <a:t>Blue Yoshi</a:t>
+            </a:r>
+          </a:p>
+        </p:txBody>
+      </p:sp>
+      <p:sp>
+        <p:nvSpPr>
+          <p:cNvPr id="11" name="Rectangle 10">
+            <a:extLst>
+              <a:ext uri="{FF2B5EF4-FFF2-40B4-BE49-F238E27FC236}">
+                <a16:creationId xmlns:a16="http://schemas.microsoft.com/office/drawing/2014/main" id="{12FF5745-FFC3-AC39-92B2-8B37C753DE86}"/>
+              </a:ext>
+            </a:extLst>
+          </p:cNvPr>
+          <p:cNvSpPr/>
+          <p:nvPr/>
+        </p:nvSpPr>
+        <p:spPr>
+          <a:xfrm>
+            <a:off x="8296658" y="4038600"/>
+            <a:ext cx="3419856" cy="1517904"/>
+          </a:xfrm>
+          <a:prstGeom prst="rect">
+            <a:avLst/>
+          </a:prstGeom>
+          <a:noFill/>
+        </p:spPr>
+        <p:style>
+          <a:lnRef idx="2">
+            <a:schemeClr val="accent1">
+              <a:shade val="15000"/>
+            </a:schemeClr>
+          </a:lnRef>
+          <a:fillRef idx="1">
+            <a:schemeClr val="accent1"/>
+          </a:fillRef>
+          <a:effectRef idx="0">
+            <a:schemeClr val="accent1"/>
+          </a:effectRef>
+          <a:fontRef idx="minor">
+            <a:schemeClr val="lt1"/>
+          </a:fontRef>
+        </p:style>
+        <p:txBody>
+          <a:bodyPr rtlCol="0" anchor="ctr"/>
+          <a:lstStyle/>
+          <a:p>
+            <a:r>
+              <a:rPr lang="en-CA" dirty="0">
+                <a:solidFill>
+                  <a:schemeClr val="tx1"/>
+                </a:solidFill>
+              </a:rPr>
+              <a:t>+  </a:t>
+            </a:r>
+            <a:r>
+              <a:rPr lang="en-CA" dirty="0" err="1">
+                <a:solidFill>
+                  <a:schemeClr val="tx1"/>
+                </a:solidFill>
+              </a:rPr>
+              <a:t>SpecialAttack</a:t>
+            </a:r>
+            <a:r>
+              <a:rPr lang="en-CA" dirty="0">
+                <a:solidFill>
+                  <a:schemeClr val="tx1"/>
+                </a:solidFill>
+              </a:rPr>
+              <a:t>()</a:t>
+            </a:r>
+          </a:p>
+          <a:p>
+            <a:pPr algn="ctr"/>
+            <a:endParaRPr lang="en-CA" dirty="0">
+              <a:solidFill>
+                <a:schemeClr val="tx1"/>
+              </a:solidFill>
+            </a:endParaRPr>
+          </a:p>
+        </p:txBody>
+      </p:sp>
+      <p:cxnSp>
+        <p:nvCxnSpPr>
+          <p:cNvPr id="13" name="Straight Arrow Connector 12">
+            <a:extLst>
+              <a:ext uri="{FF2B5EF4-FFF2-40B4-BE49-F238E27FC236}">
+                <a16:creationId xmlns:a16="http://schemas.microsoft.com/office/drawing/2014/main" id="{5DC6C32C-D412-7DF0-3C5D-28F22BDC1D05}"/>
+              </a:ext>
+            </a:extLst>
+          </p:cNvPr>
+          <p:cNvCxnSpPr>
+            <a:stCxn id="10" idx="0"/>
+          </p:cNvCxnSpPr>
+          <p:nvPr/>
+        </p:nvCxnSpPr>
+        <p:spPr>
+          <a:xfrm flipH="1" flipV="1">
+            <a:off x="3895344" y="2679192"/>
+            <a:ext cx="6111242" cy="646176"/>
+          </a:xfrm>
+          <a:prstGeom prst="straightConnector1">
+            <a:avLst/>
+          </a:prstGeom>
+          <a:ln>
+            <a:tailEnd type="triangle"/>
+          </a:ln>
+        </p:spPr>
+        <p:style>
+          <a:lnRef idx="1">
+            <a:schemeClr val="accent1"/>
+          </a:lnRef>
+          <a:fillRef idx="0">
+            <a:schemeClr val="accent1"/>
+          </a:fillRef>
+          <a:effectRef idx="0">
+            <a:schemeClr val="accent1"/>
+          </a:effectRef>
+          <a:fontRef idx="minor">
+            <a:schemeClr val="tx1"/>
+          </a:fontRef>
+        </p:style>
+      </p:cxnSp>
+    </p:spTree>
+    <p:extLst>
+      <p:ext uri="{BB962C8B-B14F-4D97-AF65-F5344CB8AC3E}">
+        <p14:creationId xmlns:p14="http://schemas.microsoft.com/office/powerpoint/2010/main" val="2302645760"/>
+      </p:ext>
+    </p:extLst>
+  </p:cSld>
+  <p:clrMapOvr>
+    <a:masterClrMapping/>
+  </p:clrMapOvr>
+</p:sld>
+</file>
+
+<file path=ppt/slides/slide22.xml><?xml version="1.0" encoding="utf-8"?>
+<p:sld xmlns:a="http://schemas.openxmlformats.org/drawingml/2006/main" xmlns:r="http://schemas.openxmlformats.org/officeDocument/2006/relationships" xmlns:p="http://schemas.openxmlformats.org/presentationml/2006/main">
+  <p:cSld>
+    <p:spTree>
+      <p:nvGrpSpPr>
+        <p:cNvPr id="1" name="">
+          <a:extLst>
+            <a:ext uri="{FF2B5EF4-FFF2-40B4-BE49-F238E27FC236}">
+              <a16:creationId xmlns:a16="http://schemas.microsoft.com/office/drawing/2014/main" id="{07E390CC-A325-8818-4DD3-71AB41A3BFCD}"/>
+            </a:ext>
+          </a:extLst>
+        </p:cNvPr>
+        <p:cNvGrpSpPr/>
+        <p:nvPr/>
+      </p:nvGrpSpPr>
+      <p:grpSpPr>
+        <a:xfrm>
+          <a:off x="0" y="0"/>
+          <a:ext cx="0" cy="0"/>
+          <a:chOff x="0" y="0"/>
+          <a:chExt cx="0" cy="0"/>
+        </a:xfrm>
+      </p:grpSpPr>
+      <p:sp>
+        <p:nvSpPr>
+          <p:cNvPr id="2" name="Title 1">
+            <a:extLst>
+              <a:ext uri="{FF2B5EF4-FFF2-40B4-BE49-F238E27FC236}">
+                <a16:creationId xmlns:a16="http://schemas.microsoft.com/office/drawing/2014/main" id="{A4528839-0528-E282-274D-0CFCAFADB31E}"/>
+              </a:ext>
+            </a:extLst>
+          </p:cNvPr>
+          <p:cNvSpPr>
+            <a:spLocks noGrp="1"/>
+          </p:cNvSpPr>
+          <p:nvPr>
+            <p:ph type="title"/>
+          </p:nvPr>
+        </p:nvSpPr>
+        <p:spPr/>
+        <p:txBody>
+          <a:bodyPr/>
+          <a:lstStyle/>
+          <a:p>
+            <a:r>
+              <a:rPr lang="en-CA" dirty="0"/>
+              <a:t>Visitor</a:t>
+            </a:r>
+          </a:p>
+        </p:txBody>
+      </p:sp>
+      <p:sp>
+        <p:nvSpPr>
+          <p:cNvPr id="7" name="TextBox 6">
+            <a:extLst>
+              <a:ext uri="{FF2B5EF4-FFF2-40B4-BE49-F238E27FC236}">
+                <a16:creationId xmlns:a16="http://schemas.microsoft.com/office/drawing/2014/main" id="{63890F10-A967-8E82-BBD9-0E358C811C1C}"/>
+              </a:ext>
+            </a:extLst>
+          </p:cNvPr>
+          <p:cNvSpPr txBox="1"/>
+          <p:nvPr/>
+        </p:nvSpPr>
+        <p:spPr>
+          <a:xfrm>
+            <a:off x="5208893" y="2246299"/>
+            <a:ext cx="6094476" cy="646331"/>
+          </a:xfrm>
+          <a:prstGeom prst="rect">
+            <a:avLst/>
+          </a:prstGeom>
+          <a:noFill/>
+        </p:spPr>
+        <p:txBody>
+          <a:bodyPr wrap="square">
+            <a:spAutoFit/>
+          </a:bodyPr>
+          <a:lstStyle/>
+          <a:p>
+            <a:r>
+              <a:rPr lang="en-US" dirty="0">
+                <a:latin typeface="Nunito" panose="020F0502020204030204" pitchFamily="2" charset="0"/>
+              </a:rPr>
+              <a:t>A</a:t>
+            </a:r>
+            <a:r>
+              <a:rPr lang="en-US" b="0" i="0" dirty="0">
+                <a:effectLst/>
+                <a:latin typeface="Nunito" panose="020F0502020204030204" pitchFamily="2" charset="0"/>
+              </a:rPr>
+              <a:t>dd new operations to a group of related classes without modifying their structures.</a:t>
+            </a:r>
+            <a:endParaRPr lang="en-CA" dirty="0"/>
+          </a:p>
+        </p:txBody>
+      </p:sp>
+    </p:spTree>
+    <p:extLst>
+      <p:ext uri="{BB962C8B-B14F-4D97-AF65-F5344CB8AC3E}">
+        <p14:creationId xmlns:p14="http://schemas.microsoft.com/office/powerpoint/2010/main" val="3483960339"/>
+      </p:ext>
+    </p:extLst>
+  </p:cSld>
+  <p:clrMapOvr>
+    <a:masterClrMapping/>
+  </p:clrMapOvr>
+</p:sld>
+</file>
+
+<file path=ppt/slides/slide23.xml><?xml version="1.0" encoding="utf-8"?>
+<p:sld xmlns:a="http://schemas.openxmlformats.org/drawingml/2006/main" xmlns:r="http://schemas.openxmlformats.org/officeDocument/2006/relationships" xmlns:p="http://schemas.openxmlformats.org/presentationml/2006/main">
+  <p:cSld>
+    <p:spTree>
+      <p:nvGrpSpPr>
+        <p:cNvPr id="1" name=""/>
+        <p:cNvGrpSpPr/>
+        <p:nvPr/>
+      </p:nvGrpSpPr>
+      <p:grpSpPr>
+        <a:xfrm>
+          <a:off x="0" y="0"/>
+          <a:ext cx="0" cy="0"/>
+          <a:chOff x="0" y="0"/>
+          <a:chExt cx="0" cy="0"/>
+        </a:xfrm>
+      </p:grpSpPr>
+      <p:pic>
+        <p:nvPicPr>
+          <p:cNvPr id="5122" name="Picture 2" descr="Cartoon Shopping Cart PNG Images &amp; PSDs ...">
+            <a:extLst>
+              <a:ext uri="{FF2B5EF4-FFF2-40B4-BE49-F238E27FC236}">
+                <a16:creationId xmlns:a16="http://schemas.microsoft.com/office/drawing/2014/main" id="{220C4177-BC61-94AA-565D-AF358457187D}"/>
+              </a:ext>
+            </a:extLst>
+          </p:cNvPr>
+          <p:cNvPicPr>
+            <a:picLocks noChangeAspect="1" noChangeArrowheads="1"/>
+          </p:cNvPicPr>
+          <p:nvPr/>
+        </p:nvPicPr>
+        <p:blipFill>
+          <a:blip r:embed="rId2">
+            <a:extLst>
+              <a:ext uri="{28A0092B-C50C-407E-A947-70E740481C1C}">
+                <a14:useLocalDpi xmlns:a14="http://schemas.microsoft.com/office/drawing/2010/main" val="0"/>
+              </a:ext>
+            </a:extLst>
+          </a:blip>
+          <a:srcRect/>
+          <a:stretch>
+            <a:fillRect/>
+          </a:stretch>
+        </p:blipFill>
+        <p:spPr bwMode="auto">
+          <a:xfrm>
+            <a:off x="4265486" y="3899396"/>
+            <a:ext cx="2143125" cy="2143125"/>
+          </a:xfrm>
+          <a:prstGeom prst="rect">
+            <a:avLst/>
+          </a:prstGeom>
+          <a:noFill/>
+          <a:extLst>
+            <a:ext uri="{909E8E84-426E-40DD-AFC4-6F175D3DCCD1}">
+              <a14:hiddenFill xmlns:a14="http://schemas.microsoft.com/office/drawing/2010/main">
+                <a:solidFill>
+                  <a:srgbClr val="FFFFFF"/>
+                </a:solidFill>
+              </a14:hiddenFill>
+            </a:ext>
+          </a:extLst>
+        </p:spPr>
+      </p:pic>
+      <p:pic>
+        <p:nvPicPr>
+          <p:cNvPr id="5124" name="Picture 4" descr="V-Bucks | Fortnite Wiki | Fandom">
+            <a:extLst>
+              <a:ext uri="{FF2B5EF4-FFF2-40B4-BE49-F238E27FC236}">
+                <a16:creationId xmlns:a16="http://schemas.microsoft.com/office/drawing/2014/main" id="{C49603C1-2D26-F1CD-0CA8-B4AD2CE6E4F4}"/>
+              </a:ext>
+            </a:extLst>
+          </p:cNvPr>
+          <p:cNvPicPr>
+            <a:picLocks noChangeAspect="1" noChangeArrowheads="1"/>
+          </p:cNvPicPr>
+          <p:nvPr/>
+        </p:nvPicPr>
+        <p:blipFill>
+          <a:blip r:embed="rId3">
+            <a:extLst>
+              <a:ext uri="{28A0092B-C50C-407E-A947-70E740481C1C}">
+                <a14:useLocalDpi xmlns:a14="http://schemas.microsoft.com/office/drawing/2010/main" val="0"/>
+              </a:ext>
+            </a:extLst>
+          </a:blip>
+          <a:srcRect/>
+          <a:stretch>
+            <a:fillRect/>
+          </a:stretch>
+        </p:blipFill>
+        <p:spPr bwMode="auto">
+          <a:xfrm>
+            <a:off x="4266821" y="1352975"/>
+            <a:ext cx="888682" cy="888682"/>
+          </a:xfrm>
+          <a:prstGeom prst="rect">
+            <a:avLst/>
+          </a:prstGeom>
+          <a:noFill/>
+          <a:extLst>
+            <a:ext uri="{909E8E84-426E-40DD-AFC4-6F175D3DCCD1}">
+              <a14:hiddenFill xmlns:a14="http://schemas.microsoft.com/office/drawing/2010/main">
+                <a:solidFill>
+                  <a:srgbClr val="FFFFFF"/>
+                </a:solidFill>
+              </a14:hiddenFill>
+            </a:ext>
+          </a:extLst>
+        </p:spPr>
+      </p:pic>
+      <p:pic>
+        <p:nvPicPr>
+          <p:cNvPr id="5126" name="Picture 6" descr="Roan, Chappell/The Rise And Fall Of A Midwest Princess [CD] – Taz Records">
+            <a:extLst>
+              <a:ext uri="{FF2B5EF4-FFF2-40B4-BE49-F238E27FC236}">
+                <a16:creationId xmlns:a16="http://schemas.microsoft.com/office/drawing/2014/main" id="{13C5E51C-72A4-CA71-B1E6-8F58B2E05DB3}"/>
+              </a:ext>
+            </a:extLst>
+          </p:cNvPr>
+          <p:cNvPicPr>
+            <a:picLocks noChangeAspect="1" noChangeArrowheads="1"/>
+          </p:cNvPicPr>
+          <p:nvPr/>
+        </p:nvPicPr>
+        <p:blipFill>
+          <a:blip r:embed="rId4">
+            <a:extLst>
+              <a:ext uri="{28A0092B-C50C-407E-A947-70E740481C1C}">
+                <a14:useLocalDpi xmlns:a14="http://schemas.microsoft.com/office/drawing/2010/main" val="0"/>
+              </a:ext>
+            </a:extLst>
+          </a:blip>
+          <a:srcRect/>
+          <a:stretch>
+            <a:fillRect/>
+          </a:stretch>
+        </p:blipFill>
+        <p:spPr bwMode="auto">
+          <a:xfrm rot="19792047">
+            <a:off x="1129942" y="1992088"/>
+            <a:ext cx="2069477" cy="983954"/>
+          </a:xfrm>
+          <a:prstGeom prst="rect">
+            <a:avLst/>
+          </a:prstGeom>
+          <a:noFill/>
+          <a:extLst>
+            <a:ext uri="{909E8E84-426E-40DD-AFC4-6F175D3DCCD1}">
+              <a14:hiddenFill xmlns:a14="http://schemas.microsoft.com/office/drawing/2010/main">
+                <a:solidFill>
+                  <a:srgbClr val="FFFFFF"/>
+                </a:solidFill>
+              </a14:hiddenFill>
+            </a:ext>
+          </a:extLst>
+        </p:spPr>
+      </p:pic>
+      <p:pic>
+        <p:nvPicPr>
+          <p:cNvPr id="6146" name="Picture 2" descr="Nexus: A Brief History of Information Networks from the Stone Age to AI">
+            <a:extLst>
+              <a:ext uri="{FF2B5EF4-FFF2-40B4-BE49-F238E27FC236}">
+                <a16:creationId xmlns:a16="http://schemas.microsoft.com/office/drawing/2014/main" id="{BDAE875A-EB23-90A8-2287-25464B9F7C0E}"/>
+              </a:ext>
+            </a:extLst>
+          </p:cNvPr>
+          <p:cNvPicPr>
+            <a:picLocks noChangeAspect="1" noChangeArrowheads="1"/>
+          </p:cNvPicPr>
+          <p:nvPr/>
+        </p:nvPicPr>
+        <p:blipFill>
+          <a:blip r:embed="rId5">
+            <a:extLst>
+              <a:ext uri="{28A0092B-C50C-407E-A947-70E740481C1C}">
+                <a14:useLocalDpi xmlns:a14="http://schemas.microsoft.com/office/drawing/2010/main" val="0"/>
+              </a:ext>
+            </a:extLst>
+          </a:blip>
+          <a:srcRect/>
+          <a:stretch>
+            <a:fillRect/>
+          </a:stretch>
+        </p:blipFill>
+        <p:spPr bwMode="auto">
+          <a:xfrm rot="20598074">
+            <a:off x="6655785" y="1076692"/>
+            <a:ext cx="1251243" cy="1904066"/>
+          </a:xfrm>
+          <a:prstGeom prst="rect">
+            <a:avLst/>
+          </a:prstGeom>
+          <a:noFill/>
+          <a:extLst>
+            <a:ext uri="{909E8E84-426E-40DD-AFC4-6F175D3DCCD1}">
+              <a14:hiddenFill xmlns:a14="http://schemas.microsoft.com/office/drawing/2010/main">
+                <a:solidFill>
+                  <a:srgbClr val="FFFFFF"/>
+                </a:solidFill>
+              </a14:hiddenFill>
+            </a:ext>
+          </a:extLst>
+        </p:spPr>
+      </p:pic>
+      <p:cxnSp>
+        <p:nvCxnSpPr>
+          <p:cNvPr id="6" name="Straight Arrow Connector 5">
+            <a:extLst>
+              <a:ext uri="{FF2B5EF4-FFF2-40B4-BE49-F238E27FC236}">
+                <a16:creationId xmlns:a16="http://schemas.microsoft.com/office/drawing/2014/main" id="{5E25BEFE-E1CD-67D5-64C8-A1E27051FAF5}"/>
+              </a:ext>
+            </a:extLst>
+          </p:cNvPr>
+          <p:cNvCxnSpPr>
+            <a:stCxn id="5126" idx="2"/>
+          </p:cNvCxnSpPr>
+          <p:nvPr/>
+        </p:nvCxnSpPr>
+        <p:spPr>
+          <a:xfrm>
+            <a:off x="2411654" y="2909559"/>
+            <a:ext cx="2001593" cy="1598433"/>
+          </a:xfrm>
+          <a:prstGeom prst="straightConnector1">
+            <a:avLst/>
+          </a:prstGeom>
+          <a:ln>
+            <a:tailEnd type="triangle"/>
+          </a:ln>
+        </p:spPr>
+        <p:style>
+          <a:lnRef idx="1">
+            <a:schemeClr val="accent1"/>
+          </a:lnRef>
+          <a:fillRef idx="0">
+            <a:schemeClr val="accent1"/>
+          </a:fillRef>
+          <a:effectRef idx="0">
+            <a:schemeClr val="accent1"/>
+          </a:effectRef>
+          <a:fontRef idx="minor">
+            <a:schemeClr val="tx1"/>
+          </a:fontRef>
+        </p:style>
+      </p:cxnSp>
+      <p:cxnSp>
+        <p:nvCxnSpPr>
+          <p:cNvPr id="8" name="Straight Arrow Connector 7">
+            <a:extLst>
+              <a:ext uri="{FF2B5EF4-FFF2-40B4-BE49-F238E27FC236}">
+                <a16:creationId xmlns:a16="http://schemas.microsoft.com/office/drawing/2014/main" id="{82020690-9B78-74B5-0E05-7257614C2E4C}"/>
+              </a:ext>
+            </a:extLst>
+          </p:cNvPr>
+          <p:cNvCxnSpPr>
+            <a:stCxn id="5124" idx="2"/>
+          </p:cNvCxnSpPr>
+          <p:nvPr/>
+        </p:nvCxnSpPr>
+        <p:spPr>
+          <a:xfrm>
+            <a:off x="4711162" y="2241657"/>
+            <a:ext cx="235742" cy="1966364"/>
+          </a:xfrm>
+          <a:prstGeom prst="straightConnector1">
+            <a:avLst/>
+          </a:prstGeom>
+          <a:ln>
+            <a:tailEnd type="triangle"/>
+          </a:ln>
+        </p:spPr>
+        <p:style>
+          <a:lnRef idx="1">
+            <a:schemeClr val="accent1"/>
+          </a:lnRef>
+          <a:fillRef idx="0">
+            <a:schemeClr val="accent1"/>
+          </a:fillRef>
+          <a:effectRef idx="0">
+            <a:schemeClr val="accent1"/>
+          </a:effectRef>
+          <a:fontRef idx="minor">
+            <a:schemeClr val="tx1"/>
+          </a:fontRef>
+        </p:style>
+      </p:cxnSp>
+      <p:cxnSp>
+        <p:nvCxnSpPr>
+          <p:cNvPr id="10" name="Straight Arrow Connector 9">
+            <a:extLst>
+              <a:ext uri="{FF2B5EF4-FFF2-40B4-BE49-F238E27FC236}">
+                <a16:creationId xmlns:a16="http://schemas.microsoft.com/office/drawing/2014/main" id="{910130DC-A15F-6CF7-7BE6-11E400245491}"/>
+              </a:ext>
+            </a:extLst>
+          </p:cNvPr>
+          <p:cNvCxnSpPr/>
+          <p:nvPr/>
+        </p:nvCxnSpPr>
+        <p:spPr>
+          <a:xfrm flipH="1">
+            <a:off x="5817844" y="3127248"/>
+            <a:ext cx="1131596" cy="1005840"/>
+          </a:xfrm>
+          <a:prstGeom prst="straightConnector1">
+            <a:avLst/>
+          </a:prstGeom>
+          <a:ln>
+            <a:tailEnd type="triangle"/>
+          </a:ln>
+        </p:spPr>
+        <p:style>
+          <a:lnRef idx="1">
+            <a:schemeClr val="accent1"/>
+          </a:lnRef>
+          <a:fillRef idx="0">
+            <a:schemeClr val="accent1"/>
+          </a:fillRef>
+          <a:effectRef idx="0">
+            <a:schemeClr val="accent1"/>
+          </a:effectRef>
+          <a:fontRef idx="minor">
+            <a:schemeClr val="tx1"/>
+          </a:fontRef>
+        </p:style>
+      </p:cxnSp>
+      <p:pic>
+        <p:nvPicPr>
+          <p:cNvPr id="6152" name="Picture 8" descr="Apple Gift Card - App Store, iTunes, iPhone, iPad, AirPods, MacBook, accessories and more">
+            <a:extLst>
+              <a:ext uri="{FF2B5EF4-FFF2-40B4-BE49-F238E27FC236}">
+                <a16:creationId xmlns:a16="http://schemas.microsoft.com/office/drawing/2014/main" id="{651D0687-5A0F-8B12-BF7F-E2B874CE9CF4}"/>
+              </a:ext>
+            </a:extLst>
+          </p:cNvPr>
+          <p:cNvPicPr>
+            <a:picLocks noChangeAspect="1" noChangeArrowheads="1"/>
+          </p:cNvPicPr>
+          <p:nvPr/>
+        </p:nvPicPr>
+        <p:blipFill>
+          <a:blip r:embed="rId6">
+            <a:extLst>
+              <a:ext uri="{28A0092B-C50C-407E-A947-70E740481C1C}">
+                <a14:useLocalDpi xmlns:a14="http://schemas.microsoft.com/office/drawing/2010/main" val="0"/>
+              </a:ext>
+            </a:extLst>
+          </a:blip>
+          <a:srcRect/>
+          <a:stretch>
+            <a:fillRect/>
+          </a:stretch>
+        </p:blipFill>
+        <p:spPr bwMode="auto">
+          <a:xfrm rot="1321327">
+            <a:off x="8368058" y="3061270"/>
+            <a:ext cx="927184" cy="1321085"/>
+          </a:xfrm>
+          <a:prstGeom prst="rect">
+            <a:avLst/>
+          </a:prstGeom>
+          <a:noFill/>
+          <a:extLst>
+            <a:ext uri="{909E8E84-426E-40DD-AFC4-6F175D3DCCD1}">
+              <a14:hiddenFill xmlns:a14="http://schemas.microsoft.com/office/drawing/2010/main">
+                <a:solidFill>
+                  <a:srgbClr val="FFFFFF"/>
+                </a:solidFill>
+              </a14:hiddenFill>
+            </a:ext>
+          </a:extLst>
+        </p:spPr>
+      </p:pic>
+      <p:cxnSp>
+        <p:nvCxnSpPr>
+          <p:cNvPr id="12" name="Straight Arrow Connector 11">
+            <a:extLst>
+              <a:ext uri="{FF2B5EF4-FFF2-40B4-BE49-F238E27FC236}">
+                <a16:creationId xmlns:a16="http://schemas.microsoft.com/office/drawing/2014/main" id="{70A8F9B9-2CC7-9D79-E75D-0E91E613866B}"/>
+              </a:ext>
+            </a:extLst>
+          </p:cNvPr>
+          <p:cNvCxnSpPr/>
+          <p:nvPr/>
+        </p:nvCxnSpPr>
+        <p:spPr>
+          <a:xfrm flipH="1">
+            <a:off x="6200012" y="4133088"/>
+            <a:ext cx="2002536" cy="479372"/>
+          </a:xfrm>
+          <a:prstGeom prst="straightConnector1">
+            <a:avLst/>
+          </a:prstGeom>
+          <a:ln>
+            <a:tailEnd type="triangle"/>
+          </a:ln>
+        </p:spPr>
+        <p:style>
+          <a:lnRef idx="1">
+            <a:schemeClr val="accent1"/>
+          </a:lnRef>
+          <a:fillRef idx="0">
+            <a:schemeClr val="accent1"/>
+          </a:fillRef>
+          <a:effectRef idx="0">
+            <a:schemeClr val="accent1"/>
+          </a:effectRef>
+          <a:fontRef idx="minor">
+            <a:schemeClr val="tx1"/>
+          </a:fontRef>
+        </p:style>
+      </p:cxnSp>
+    </p:spTree>
+    <p:extLst>
+      <p:ext uri="{BB962C8B-B14F-4D97-AF65-F5344CB8AC3E}">
+        <p14:creationId xmlns:p14="http://schemas.microsoft.com/office/powerpoint/2010/main" val="2138372129"/>
+      </p:ext>
+    </p:extLst>
+  </p:cSld>
+  <p:clrMapOvr>
+    <a:masterClrMapping/>
+  </p:clrMapOvr>
+</p:sld>
+</file>
+
+<file path=ppt/slides/slide24.xml><?xml version="1.0" encoding="utf-8"?>
+<p:sld xmlns:a="http://schemas.openxmlformats.org/drawingml/2006/main" xmlns:r="http://schemas.openxmlformats.org/officeDocument/2006/relationships" xmlns:p="http://schemas.openxmlformats.org/presentationml/2006/main">
+  <p:cSld>
+    <p:spTree>
+      <p:nvGrpSpPr>
+        <p:cNvPr id="1" name="">
+          <a:extLst>
+            <a:ext uri="{FF2B5EF4-FFF2-40B4-BE49-F238E27FC236}">
+              <a16:creationId xmlns:a16="http://schemas.microsoft.com/office/drawing/2014/main" id="{C9CF10B6-9BF4-51D1-89BC-7773FB72E305}"/>
+            </a:ext>
+          </a:extLst>
+        </p:cNvPr>
+        <p:cNvGrpSpPr/>
+        <p:nvPr/>
+      </p:nvGrpSpPr>
+      <p:grpSpPr>
+        <a:xfrm>
+          <a:off x="0" y="0"/>
+          <a:ext cx="0" cy="0"/>
+          <a:chOff x="0" y="0"/>
+          <a:chExt cx="0" cy="0"/>
+        </a:xfrm>
+      </p:grpSpPr>
+      <p:sp>
+        <p:nvSpPr>
+          <p:cNvPr id="5" name="TextBox 4">
+            <a:extLst>
+              <a:ext uri="{FF2B5EF4-FFF2-40B4-BE49-F238E27FC236}">
+                <a16:creationId xmlns:a16="http://schemas.microsoft.com/office/drawing/2014/main" id="{848DD489-0DB1-0787-8352-89E81AA3BCDE}"/>
+              </a:ext>
+            </a:extLst>
+          </p:cNvPr>
+          <p:cNvSpPr txBox="1"/>
+          <p:nvPr/>
+        </p:nvSpPr>
+        <p:spPr>
+          <a:xfrm>
+            <a:off x="2946654" y="6289286"/>
+            <a:ext cx="6094476" cy="369332"/>
+          </a:xfrm>
+          <a:prstGeom prst="rect">
+            <a:avLst/>
+          </a:prstGeom>
+          <a:noFill/>
+        </p:spPr>
+        <p:txBody>
+          <a:bodyPr wrap="square">
+            <a:spAutoFit/>
+          </a:bodyPr>
+          <a:lstStyle/>
+          <a:p>
+            <a:r>
+              <a:rPr lang="en-CA" dirty="0"/>
+              <a:t>https://www.youtube.com/watch?v=pL4mOUDi54o</a:t>
+            </a:r>
+          </a:p>
+        </p:txBody>
+      </p:sp>
+      <p:pic>
+        <p:nvPicPr>
+          <p:cNvPr id="5122" name="Picture 2" descr="Cartoon Shopping Cart PNG Images &amp; PSDs ...">
+            <a:extLst>
+              <a:ext uri="{FF2B5EF4-FFF2-40B4-BE49-F238E27FC236}">
+                <a16:creationId xmlns:a16="http://schemas.microsoft.com/office/drawing/2014/main" id="{A940DF4D-B0BE-0F8A-B493-EF75D2460F6B}"/>
+              </a:ext>
+            </a:extLst>
+          </p:cNvPr>
+          <p:cNvPicPr>
+            <a:picLocks noChangeAspect="1" noChangeArrowheads="1"/>
+          </p:cNvPicPr>
+          <p:nvPr/>
+        </p:nvPicPr>
+        <p:blipFill>
+          <a:blip r:embed="rId2">
+            <a:extLst>
+              <a:ext uri="{28A0092B-C50C-407E-A947-70E740481C1C}">
+                <a14:useLocalDpi xmlns:a14="http://schemas.microsoft.com/office/drawing/2010/main" val="0"/>
+              </a:ext>
+            </a:extLst>
+          </a:blip>
+          <a:srcRect/>
+          <a:stretch>
+            <a:fillRect/>
+          </a:stretch>
+        </p:blipFill>
+        <p:spPr bwMode="auto">
+          <a:xfrm>
+            <a:off x="4265486" y="3899396"/>
+            <a:ext cx="2143125" cy="2143125"/>
+          </a:xfrm>
+          <a:prstGeom prst="rect">
+            <a:avLst/>
+          </a:prstGeom>
+          <a:noFill/>
+          <a:extLst>
+            <a:ext uri="{909E8E84-426E-40DD-AFC4-6F175D3DCCD1}">
+              <a14:hiddenFill xmlns:a14="http://schemas.microsoft.com/office/drawing/2010/main">
+                <a:solidFill>
+                  <a:srgbClr val="FFFFFF"/>
+                </a:solidFill>
+              </a14:hiddenFill>
+            </a:ext>
+          </a:extLst>
+        </p:spPr>
+      </p:pic>
+      <p:pic>
+        <p:nvPicPr>
+          <p:cNvPr id="5124" name="Picture 4" descr="V-Bucks | Fortnite Wiki | Fandom">
+            <a:extLst>
+              <a:ext uri="{FF2B5EF4-FFF2-40B4-BE49-F238E27FC236}">
+                <a16:creationId xmlns:a16="http://schemas.microsoft.com/office/drawing/2014/main" id="{2BAC972C-D1C0-9EF2-45CC-184AB95C7279}"/>
+              </a:ext>
+            </a:extLst>
+          </p:cNvPr>
+          <p:cNvPicPr>
+            <a:picLocks noChangeAspect="1" noChangeArrowheads="1"/>
+          </p:cNvPicPr>
+          <p:nvPr/>
+        </p:nvPicPr>
+        <p:blipFill>
+          <a:blip r:embed="rId3">
+            <a:extLst>
+              <a:ext uri="{28A0092B-C50C-407E-A947-70E740481C1C}">
+                <a14:useLocalDpi xmlns:a14="http://schemas.microsoft.com/office/drawing/2010/main" val="0"/>
+              </a:ext>
+            </a:extLst>
+          </a:blip>
+          <a:srcRect/>
+          <a:stretch>
+            <a:fillRect/>
+          </a:stretch>
+        </p:blipFill>
+        <p:spPr bwMode="auto">
+          <a:xfrm>
+            <a:off x="4266821" y="1352975"/>
+            <a:ext cx="888682" cy="888682"/>
+          </a:xfrm>
+          <a:prstGeom prst="rect">
+            <a:avLst/>
+          </a:prstGeom>
+          <a:noFill/>
+          <a:extLst>
+            <a:ext uri="{909E8E84-426E-40DD-AFC4-6F175D3DCCD1}">
+              <a14:hiddenFill xmlns:a14="http://schemas.microsoft.com/office/drawing/2010/main">
+                <a:solidFill>
+                  <a:srgbClr val="FFFFFF"/>
+                </a:solidFill>
+              </a14:hiddenFill>
+            </a:ext>
+          </a:extLst>
+        </p:spPr>
+      </p:pic>
+      <p:pic>
+        <p:nvPicPr>
+          <p:cNvPr id="5126" name="Picture 6" descr="Roan, Chappell/The Rise And Fall Of A Midwest Princess [CD] – Taz Records">
+            <a:extLst>
+              <a:ext uri="{FF2B5EF4-FFF2-40B4-BE49-F238E27FC236}">
+                <a16:creationId xmlns:a16="http://schemas.microsoft.com/office/drawing/2014/main" id="{610CEEC1-C7A3-4011-B60E-E097B34730F3}"/>
+              </a:ext>
+            </a:extLst>
+          </p:cNvPr>
+          <p:cNvPicPr>
+            <a:picLocks noChangeAspect="1" noChangeArrowheads="1"/>
+          </p:cNvPicPr>
+          <p:nvPr/>
+        </p:nvPicPr>
+        <p:blipFill>
+          <a:blip r:embed="rId4">
+            <a:extLst>
+              <a:ext uri="{28A0092B-C50C-407E-A947-70E740481C1C}">
+                <a14:useLocalDpi xmlns:a14="http://schemas.microsoft.com/office/drawing/2010/main" val="0"/>
+              </a:ext>
+            </a:extLst>
+          </a:blip>
+          <a:srcRect/>
+          <a:stretch>
+            <a:fillRect/>
+          </a:stretch>
+        </p:blipFill>
+        <p:spPr bwMode="auto">
+          <a:xfrm rot="19792047">
+            <a:off x="1129942" y="1992088"/>
+            <a:ext cx="2069477" cy="983954"/>
+          </a:xfrm>
+          <a:prstGeom prst="rect">
+            <a:avLst/>
+          </a:prstGeom>
+          <a:noFill/>
+          <a:extLst>
+            <a:ext uri="{909E8E84-426E-40DD-AFC4-6F175D3DCCD1}">
+              <a14:hiddenFill xmlns:a14="http://schemas.microsoft.com/office/drawing/2010/main">
+                <a:solidFill>
+                  <a:srgbClr val="FFFFFF"/>
+                </a:solidFill>
+              </a14:hiddenFill>
+            </a:ext>
+          </a:extLst>
+        </p:spPr>
+      </p:pic>
+      <p:pic>
+        <p:nvPicPr>
+          <p:cNvPr id="6146" name="Picture 2" descr="Nexus: A Brief History of Information Networks from the Stone Age to AI">
+            <a:extLst>
+              <a:ext uri="{FF2B5EF4-FFF2-40B4-BE49-F238E27FC236}">
+                <a16:creationId xmlns:a16="http://schemas.microsoft.com/office/drawing/2014/main" id="{CC6B864D-F4B6-4591-7F78-501371842B60}"/>
+              </a:ext>
+            </a:extLst>
+          </p:cNvPr>
+          <p:cNvPicPr>
+            <a:picLocks noChangeAspect="1" noChangeArrowheads="1"/>
+          </p:cNvPicPr>
+          <p:nvPr/>
+        </p:nvPicPr>
+        <p:blipFill>
+          <a:blip r:embed="rId5">
+            <a:extLst>
+              <a:ext uri="{28A0092B-C50C-407E-A947-70E740481C1C}">
+                <a14:useLocalDpi xmlns:a14="http://schemas.microsoft.com/office/drawing/2010/main" val="0"/>
+              </a:ext>
+            </a:extLst>
+          </a:blip>
+          <a:srcRect/>
+          <a:stretch>
+            <a:fillRect/>
+          </a:stretch>
+        </p:blipFill>
+        <p:spPr bwMode="auto">
+          <a:xfrm rot="20598074">
+            <a:off x="6655785" y="1076692"/>
+            <a:ext cx="1251243" cy="1904066"/>
+          </a:xfrm>
+          <a:prstGeom prst="rect">
+            <a:avLst/>
+          </a:prstGeom>
+          <a:noFill/>
+          <a:extLst>
+            <a:ext uri="{909E8E84-426E-40DD-AFC4-6F175D3DCCD1}">
+              <a14:hiddenFill xmlns:a14="http://schemas.microsoft.com/office/drawing/2010/main">
+                <a:solidFill>
+                  <a:srgbClr val="FFFFFF"/>
+                </a:solidFill>
+              </a14:hiddenFill>
+            </a:ext>
+          </a:extLst>
+        </p:spPr>
+      </p:pic>
+      <p:cxnSp>
+        <p:nvCxnSpPr>
+          <p:cNvPr id="6" name="Straight Arrow Connector 5">
+            <a:extLst>
+              <a:ext uri="{FF2B5EF4-FFF2-40B4-BE49-F238E27FC236}">
+                <a16:creationId xmlns:a16="http://schemas.microsoft.com/office/drawing/2014/main" id="{F1FFC86D-6CE2-36B6-00BC-733EAF452464}"/>
+              </a:ext>
+            </a:extLst>
+          </p:cNvPr>
+          <p:cNvCxnSpPr>
+            <a:stCxn id="5126" idx="2"/>
+          </p:cNvCxnSpPr>
+          <p:nvPr/>
+        </p:nvCxnSpPr>
+        <p:spPr>
+          <a:xfrm>
+            <a:off x="2411654" y="2909559"/>
+            <a:ext cx="2001593" cy="1598433"/>
+          </a:xfrm>
+          <a:prstGeom prst="straightConnector1">
+            <a:avLst/>
+          </a:prstGeom>
+          <a:ln>
+            <a:tailEnd type="triangle"/>
+          </a:ln>
+        </p:spPr>
+        <p:style>
+          <a:lnRef idx="1">
+            <a:schemeClr val="accent1"/>
+          </a:lnRef>
+          <a:fillRef idx="0">
+            <a:schemeClr val="accent1"/>
+          </a:fillRef>
+          <a:effectRef idx="0">
+            <a:schemeClr val="accent1"/>
+          </a:effectRef>
+          <a:fontRef idx="minor">
+            <a:schemeClr val="tx1"/>
+          </a:fontRef>
+        </p:style>
+      </p:cxnSp>
+      <p:cxnSp>
+        <p:nvCxnSpPr>
+          <p:cNvPr id="8" name="Straight Arrow Connector 7">
+            <a:extLst>
+              <a:ext uri="{FF2B5EF4-FFF2-40B4-BE49-F238E27FC236}">
+                <a16:creationId xmlns:a16="http://schemas.microsoft.com/office/drawing/2014/main" id="{9F3F5B8B-986D-DBDC-08D2-A4B2AED7EE52}"/>
+              </a:ext>
+            </a:extLst>
+          </p:cNvPr>
+          <p:cNvCxnSpPr>
+            <a:stCxn id="5124" idx="2"/>
+          </p:cNvCxnSpPr>
+          <p:nvPr/>
+        </p:nvCxnSpPr>
+        <p:spPr>
+          <a:xfrm>
+            <a:off x="4711162" y="2241657"/>
+            <a:ext cx="235742" cy="1966364"/>
+          </a:xfrm>
+          <a:prstGeom prst="straightConnector1">
+            <a:avLst/>
+          </a:prstGeom>
+          <a:ln>
+            <a:tailEnd type="triangle"/>
+          </a:ln>
+        </p:spPr>
+        <p:style>
+          <a:lnRef idx="1">
+            <a:schemeClr val="accent1"/>
+          </a:lnRef>
+          <a:fillRef idx="0">
+            <a:schemeClr val="accent1"/>
+          </a:fillRef>
+          <a:effectRef idx="0">
+            <a:schemeClr val="accent1"/>
+          </a:effectRef>
+          <a:fontRef idx="minor">
+            <a:schemeClr val="tx1"/>
+          </a:fontRef>
+        </p:style>
+      </p:cxnSp>
+      <p:cxnSp>
+        <p:nvCxnSpPr>
+          <p:cNvPr id="10" name="Straight Arrow Connector 9">
+            <a:extLst>
+              <a:ext uri="{FF2B5EF4-FFF2-40B4-BE49-F238E27FC236}">
+                <a16:creationId xmlns:a16="http://schemas.microsoft.com/office/drawing/2014/main" id="{5295D0B7-8027-B048-3787-65145CD20D66}"/>
+              </a:ext>
+            </a:extLst>
+          </p:cNvPr>
+          <p:cNvCxnSpPr/>
+          <p:nvPr/>
+        </p:nvCxnSpPr>
+        <p:spPr>
+          <a:xfrm flipH="1">
+            <a:off x="5817844" y="3127248"/>
+            <a:ext cx="1131596" cy="1005840"/>
+          </a:xfrm>
+          <a:prstGeom prst="straightConnector1">
+            <a:avLst/>
+          </a:prstGeom>
+          <a:ln>
+            <a:tailEnd type="triangle"/>
+          </a:ln>
+        </p:spPr>
+        <p:style>
+          <a:lnRef idx="1">
+            <a:schemeClr val="accent1"/>
+          </a:lnRef>
+          <a:fillRef idx="0">
+            <a:schemeClr val="accent1"/>
+          </a:fillRef>
+          <a:effectRef idx="0">
+            <a:schemeClr val="accent1"/>
+          </a:effectRef>
+          <a:fontRef idx="minor">
+            <a:schemeClr val="tx1"/>
+          </a:fontRef>
+        </p:style>
+      </p:cxnSp>
+      <p:pic>
+        <p:nvPicPr>
+          <p:cNvPr id="6152" name="Picture 8" descr="Apple Gift Card - App Store, iTunes, iPhone, iPad, AirPods, MacBook, accessories and more">
+            <a:extLst>
+              <a:ext uri="{FF2B5EF4-FFF2-40B4-BE49-F238E27FC236}">
+                <a16:creationId xmlns:a16="http://schemas.microsoft.com/office/drawing/2014/main" id="{EB61C060-E845-4717-7D86-D77C306FE015}"/>
+              </a:ext>
+            </a:extLst>
+          </p:cNvPr>
+          <p:cNvPicPr>
+            <a:picLocks noChangeAspect="1" noChangeArrowheads="1"/>
+          </p:cNvPicPr>
+          <p:nvPr/>
+        </p:nvPicPr>
+        <p:blipFill>
+          <a:blip r:embed="rId6">
+            <a:extLst>
+              <a:ext uri="{28A0092B-C50C-407E-A947-70E740481C1C}">
+                <a14:useLocalDpi xmlns:a14="http://schemas.microsoft.com/office/drawing/2010/main" val="0"/>
+              </a:ext>
+            </a:extLst>
+          </a:blip>
+          <a:srcRect/>
+          <a:stretch>
+            <a:fillRect/>
+          </a:stretch>
+        </p:blipFill>
+        <p:spPr bwMode="auto">
+          <a:xfrm rot="1321327">
+            <a:off x="8368058" y="3061270"/>
+            <a:ext cx="927184" cy="1321085"/>
+          </a:xfrm>
+          <a:prstGeom prst="rect">
+            <a:avLst/>
+          </a:prstGeom>
+          <a:noFill/>
+          <a:extLst>
+            <a:ext uri="{909E8E84-426E-40DD-AFC4-6F175D3DCCD1}">
+              <a14:hiddenFill xmlns:a14="http://schemas.microsoft.com/office/drawing/2010/main">
+                <a:solidFill>
+                  <a:srgbClr val="FFFFFF"/>
+                </a:solidFill>
+              </a14:hiddenFill>
+            </a:ext>
+          </a:extLst>
+        </p:spPr>
+      </p:pic>
+      <p:cxnSp>
+        <p:nvCxnSpPr>
+          <p:cNvPr id="12" name="Straight Arrow Connector 11">
+            <a:extLst>
+              <a:ext uri="{FF2B5EF4-FFF2-40B4-BE49-F238E27FC236}">
+                <a16:creationId xmlns:a16="http://schemas.microsoft.com/office/drawing/2014/main" id="{13F6BAA2-E3BA-76E2-E5A6-52125DEA15F4}"/>
+              </a:ext>
+            </a:extLst>
+          </p:cNvPr>
+          <p:cNvCxnSpPr/>
+          <p:nvPr/>
+        </p:nvCxnSpPr>
+        <p:spPr>
+          <a:xfrm flipH="1">
+            <a:off x="6200012" y="4133088"/>
+            <a:ext cx="2002536" cy="479372"/>
+          </a:xfrm>
+          <a:prstGeom prst="straightConnector1">
+            <a:avLst/>
+          </a:prstGeom>
+          <a:ln>
+            <a:tailEnd type="triangle"/>
+          </a:ln>
+        </p:spPr>
+        <p:style>
+          <a:lnRef idx="1">
+            <a:schemeClr val="accent1"/>
+          </a:lnRef>
+          <a:fillRef idx="0">
+            <a:schemeClr val="accent1"/>
+          </a:fillRef>
+          <a:effectRef idx="0">
+            <a:schemeClr val="accent1"/>
+          </a:effectRef>
+          <a:fontRef idx="minor">
+            <a:schemeClr val="tx1"/>
+          </a:fontRef>
+        </p:style>
+      </p:cxnSp>
+      <p:sp>
+        <p:nvSpPr>
+          <p:cNvPr id="2" name="Rectangle 1">
+            <a:extLst>
+              <a:ext uri="{FF2B5EF4-FFF2-40B4-BE49-F238E27FC236}">
+                <a16:creationId xmlns:a16="http://schemas.microsoft.com/office/drawing/2014/main" id="{0F582CDF-CA1D-E811-073E-99B61CDC139C}"/>
+              </a:ext>
+            </a:extLst>
+          </p:cNvPr>
+          <p:cNvSpPr/>
+          <p:nvPr/>
+        </p:nvSpPr>
+        <p:spPr>
+          <a:xfrm>
+            <a:off x="9272016" y="1038364"/>
+            <a:ext cx="2283769" cy="1517904"/>
+          </a:xfrm>
+          <a:prstGeom prst="rect">
+            <a:avLst/>
+          </a:prstGeom>
+          <a:noFill/>
+        </p:spPr>
+        <p:style>
+          <a:lnRef idx="2">
+            <a:schemeClr val="accent1">
+              <a:shade val="15000"/>
+            </a:schemeClr>
+          </a:lnRef>
+          <a:fillRef idx="1">
+            <a:schemeClr val="accent1"/>
+          </a:fillRef>
+          <a:effectRef idx="0">
+            <a:schemeClr val="accent1"/>
+          </a:effectRef>
+          <a:fontRef idx="minor">
+            <a:schemeClr val="lt1"/>
+          </a:fontRef>
+        </p:style>
+        <p:txBody>
+          <a:bodyPr rtlCol="0" anchor="ctr"/>
+          <a:lstStyle/>
+          <a:p>
+            <a:r>
+              <a:rPr lang="en-CA" dirty="0">
+                <a:solidFill>
+                  <a:schemeClr val="tx1"/>
+                </a:solidFill>
+              </a:rPr>
+              <a:t>  +  Cost()</a:t>
+            </a:r>
+          </a:p>
+          <a:p>
+            <a:r>
+              <a:rPr lang="en-CA" dirty="0">
+                <a:solidFill>
+                  <a:schemeClr val="tx1"/>
+                </a:solidFill>
+              </a:rPr>
+              <a:t>  +  Name()</a:t>
+            </a:r>
+          </a:p>
+          <a:p>
+            <a:r>
+              <a:rPr lang="en-CA" dirty="0">
+                <a:solidFill>
+                  <a:schemeClr val="tx1"/>
+                </a:solidFill>
+              </a:rPr>
+              <a:t>  +  </a:t>
+            </a:r>
+            <a:r>
+              <a:rPr lang="en-CA" dirty="0" err="1">
+                <a:solidFill>
+                  <a:schemeClr val="tx1"/>
+                </a:solidFill>
+              </a:rPr>
+              <a:t>AddToCart</a:t>
+            </a:r>
+            <a:r>
+              <a:rPr lang="en-CA" dirty="0">
+                <a:solidFill>
+                  <a:schemeClr val="tx1"/>
+                </a:solidFill>
+              </a:rPr>
+              <a:t>()</a:t>
+            </a:r>
+          </a:p>
+          <a:p>
+            <a:pPr algn="ctr"/>
+            <a:endParaRPr lang="en-CA" dirty="0">
+              <a:solidFill>
+                <a:schemeClr val="tx1"/>
+              </a:solidFill>
+            </a:endParaRPr>
+          </a:p>
+        </p:txBody>
+      </p:sp>
+      <p:sp>
+        <p:nvSpPr>
+          <p:cNvPr id="3" name="Rectangle 2">
+            <a:extLst>
+              <a:ext uri="{FF2B5EF4-FFF2-40B4-BE49-F238E27FC236}">
+                <a16:creationId xmlns:a16="http://schemas.microsoft.com/office/drawing/2014/main" id="{349AC037-BDCB-C3A4-0AC6-9BD09871EECC}"/>
+              </a:ext>
+            </a:extLst>
+          </p:cNvPr>
+          <p:cNvSpPr/>
+          <p:nvPr/>
+        </p:nvSpPr>
+        <p:spPr>
+          <a:xfrm>
+            <a:off x="9272015" y="284095"/>
+            <a:ext cx="2283769" cy="754269"/>
+          </a:xfrm>
+          <a:prstGeom prst="rect">
+            <a:avLst/>
+          </a:prstGeom>
+          <a:noFill/>
+        </p:spPr>
+        <p:style>
+          <a:lnRef idx="2">
+            <a:schemeClr val="accent1">
+              <a:shade val="15000"/>
+            </a:schemeClr>
+          </a:lnRef>
+          <a:fillRef idx="1">
+            <a:schemeClr val="accent1"/>
+          </a:fillRef>
+          <a:effectRef idx="0">
+            <a:schemeClr val="accent1"/>
+          </a:effectRef>
+          <a:fontRef idx="minor">
+            <a:schemeClr val="lt1"/>
+          </a:fontRef>
+        </p:style>
+        <p:txBody>
+          <a:bodyPr rtlCol="0" anchor="ctr"/>
+          <a:lstStyle/>
+          <a:p>
+            <a:pPr algn="ctr"/>
+            <a:r>
+              <a:rPr lang="en-CA" dirty="0">
+                <a:solidFill>
+                  <a:schemeClr val="tx1"/>
+                </a:solidFill>
+              </a:rPr>
+              <a:t>  </a:t>
+            </a:r>
+          </a:p>
+          <a:p>
+            <a:pPr algn="ctr"/>
+            <a:r>
+              <a:rPr lang="en-CA" dirty="0">
+                <a:solidFill>
+                  <a:schemeClr val="tx1"/>
+                </a:solidFill>
+              </a:rPr>
+              <a:t>&lt;&lt;Interface&gt;&gt;</a:t>
+            </a:r>
+          </a:p>
+          <a:p>
+            <a:pPr algn="ctr"/>
+            <a:r>
+              <a:rPr lang="en-CA" dirty="0" err="1">
+                <a:solidFill>
+                  <a:schemeClr val="tx1"/>
+                </a:solidFill>
+              </a:rPr>
+              <a:t>IAmazonItem</a:t>
+            </a:r>
+            <a:endParaRPr lang="en-CA" dirty="0">
+              <a:solidFill>
+                <a:schemeClr val="tx1"/>
+              </a:solidFill>
+            </a:endParaRPr>
+          </a:p>
+          <a:p>
+            <a:pPr algn="ctr"/>
+            <a:endParaRPr lang="en-CA" dirty="0">
+              <a:solidFill>
+                <a:schemeClr val="tx1"/>
+              </a:solidFill>
+            </a:endParaRPr>
+          </a:p>
+        </p:txBody>
+      </p:sp>
+    </p:spTree>
+    <p:extLst>
+      <p:ext uri="{BB962C8B-B14F-4D97-AF65-F5344CB8AC3E}">
+        <p14:creationId xmlns:p14="http://schemas.microsoft.com/office/powerpoint/2010/main" val="1780352785"/>
       </p:ext>
     </p:extLst>
   </p:cSld>
